--- a/ITERACION 5/SUBITERACION 2/PRESENTACION01/PPT TP3 PRES02.pptx
+++ b/ITERACION 5/SUBITERACION 2/PRESENTACION01/PPT TP3 PRES02.pptx
@@ -256,7 +256,7 @@
             <a:pPr>
               <a:defRPr/>
             </a:pPr>
-            <a:fld id="{065EB074-8CE0-4AE3-B02A-01E502E35065}" type="datetimeFigureOut">
+            <a:fld id="{3F303E6F-52B0-4054-9BC5-84E9F5FC71E6}" type="datetimeFigureOut">
               <a:rPr lang="es-PE"/>
               <a:pPr>
                 <a:defRPr/>
@@ -443,7 +443,7 @@
             <a:pPr>
               <a:defRPr/>
             </a:pPr>
-            <a:fld id="{FBFFBEEB-B90D-42E3-A2B1-AA0B57FCF013}" type="slidenum">
+            <a:fld id="{61C5211F-F2B6-4578-AEB0-4BEB004160D1}" type="slidenum">
               <a:rPr lang="es-PE"/>
               <a:pPr>
                 <a:defRPr/>
@@ -2442,7 +2442,7 @@
             <a:pPr>
               <a:defRPr/>
             </a:pPr>
-            <a:fld id="{A1A71780-9282-4DBD-9B13-3D6D02CAD948}" type="datetimeFigureOut">
+            <a:fld id="{8AAAFD12-A242-4143-92DC-0F70FDCF84C8}" type="datetimeFigureOut">
               <a:rPr lang="es-PE"/>
               <a:pPr>
                 <a:defRPr/>
@@ -2501,7 +2501,7 @@
             <a:pPr>
               <a:defRPr/>
             </a:pPr>
-            <a:fld id="{C04E8BAA-CFA4-46A8-9074-268470B76043}" type="slidenum">
+            <a:fld id="{6F99ED9E-BBDE-4F7A-9933-6D42F225607A}" type="slidenum">
               <a:rPr lang="es-PE"/>
               <a:pPr>
                 <a:defRPr/>
@@ -2650,7 +2650,7 @@
             <a:pPr>
               <a:defRPr/>
             </a:pPr>
-            <a:fld id="{0ADCDBE5-28F8-436A-9187-9CD46AB7E397}" type="datetimeFigureOut">
+            <a:fld id="{21FDECD6-9822-41C7-8DFF-C68113DA0881}" type="datetimeFigureOut">
               <a:rPr lang="es-PE"/>
               <a:pPr>
                 <a:defRPr/>
@@ -2709,7 +2709,7 @@
             <a:pPr>
               <a:defRPr/>
             </a:pPr>
-            <a:fld id="{8D78665E-BE37-4FAC-A4D9-FC6874315296}" type="slidenum">
+            <a:fld id="{4A6C898E-DC0F-4F4E-B22F-1540941EFB6E}" type="slidenum">
               <a:rPr lang="es-PE"/>
               <a:pPr>
                 <a:defRPr/>
@@ -4555,7 +4555,7 @@
             <a:pPr>
               <a:defRPr/>
             </a:pPr>
-            <a:fld id="{B31E146D-CD65-4DCD-AE1E-268557092733}" type="datetimeFigureOut">
+            <a:fld id="{63669E50-AA6E-4538-B9CF-7AAE903ACCAC}" type="datetimeFigureOut">
               <a:rPr lang="es-PE"/>
               <a:pPr>
                 <a:defRPr/>
@@ -4614,7 +4614,7 @@
             <a:pPr>
               <a:defRPr/>
             </a:pPr>
-            <a:fld id="{43AA8244-AC20-4A66-8DB5-AA381377A693}" type="slidenum">
+            <a:fld id="{6703B2BC-4D9C-4273-ABFA-1ACA4E36B091}" type="slidenum">
               <a:rPr lang="es-PE"/>
               <a:pPr>
                 <a:defRPr/>
@@ -4672,7 +4672,7 @@
             <a:pPr>
               <a:defRPr/>
             </a:pPr>
-            <a:fld id="{2AC0B97F-ED84-47EF-BD87-4B9DD7A8FD1C}" type="datetimeFigureOut">
+            <a:fld id="{105581CD-D1A1-4DB2-9738-B35D5A20A596}" type="datetimeFigureOut">
               <a:rPr lang="es-PE"/>
               <a:pPr>
                 <a:defRPr/>
@@ -4731,7 +4731,7 @@
             <a:pPr>
               <a:defRPr/>
             </a:pPr>
-            <a:fld id="{343B9733-30EE-4E92-A4E7-B96220AEA3A5}" type="slidenum">
+            <a:fld id="{7BD0E0AF-1E1B-4810-ADDB-A367E9F9DEF9}" type="slidenum">
               <a:rPr lang="es-PE"/>
               <a:pPr>
                 <a:defRPr/>
@@ -4864,7 +4864,7 @@
             <a:pPr>
               <a:defRPr/>
             </a:pPr>
-            <a:fld id="{C5271D13-C3F3-471F-BB14-07E6EC51C6E9}" type="datetimeFigureOut">
+            <a:fld id="{C20832C4-3FDF-4D22-9FC4-DEE4EBFE7542}" type="datetimeFigureOut">
               <a:rPr lang="es-PE"/>
               <a:pPr>
                 <a:defRPr/>
@@ -4923,7 +4923,7 @@
             <a:pPr>
               <a:defRPr/>
             </a:pPr>
-            <a:fld id="{924ECAE0-0B97-4E72-8A9E-B5DB35A056A4}" type="slidenum">
+            <a:fld id="{D5127F40-1DAB-41C4-AB71-996BBF3D115B}" type="slidenum">
               <a:rPr lang="es-PE"/>
               <a:pPr>
                 <a:defRPr/>
@@ -6781,7 +6781,7 @@
             <a:pPr>
               <a:defRPr/>
             </a:pPr>
-            <a:fld id="{430756CE-C2DF-4F9F-9A6A-F074D4C47649}" type="datetimeFigureOut">
+            <a:fld id="{8D985B86-8A09-4D3A-8965-90C03F58BAA9}" type="datetimeFigureOut">
               <a:rPr lang="es-PE"/>
               <a:pPr>
                 <a:defRPr/>
@@ -6840,7 +6840,7 @@
             <a:pPr>
               <a:defRPr/>
             </a:pPr>
-            <a:fld id="{3DB351C8-A9D2-47C5-8CB2-CE2A7A4AE2EA}" type="slidenum">
+            <a:fld id="{89CC2873-79F3-4714-90B1-A2D7550ACDB5}" type="slidenum">
               <a:rPr lang="es-PE"/>
               <a:pPr>
                 <a:defRPr/>
@@ -7035,7 +7035,7 @@
             <a:pPr>
               <a:defRPr/>
             </a:pPr>
-            <a:fld id="{F6868D18-2994-418B-B051-C83F1E400D75}" type="datetimeFigureOut">
+            <a:fld id="{E483D4C3-2640-4ADA-A044-AB745D3708ED}" type="datetimeFigureOut">
               <a:rPr lang="es-PE"/>
               <a:pPr>
                 <a:defRPr/>
@@ -7094,7 +7094,7 @@
             <a:pPr>
               <a:defRPr/>
             </a:pPr>
-            <a:fld id="{4B938EEC-85C9-4953-8BA8-DBAC9E1293C0}" type="slidenum">
+            <a:fld id="{10C5B6F3-B7D3-4397-A984-07B64BC14454}" type="slidenum">
               <a:rPr lang="es-PE"/>
               <a:pPr>
                 <a:defRPr/>
@@ -7489,7 +7489,7 @@
             <a:pPr>
               <a:defRPr/>
             </a:pPr>
-            <a:fld id="{359969EC-7427-43AA-9234-0F5C6B3C624E}" type="datetimeFigureOut">
+            <a:fld id="{32C4B225-2D88-4100-AE93-3CE25BABA385}" type="datetimeFigureOut">
               <a:rPr lang="es-PE"/>
               <a:pPr>
                 <a:defRPr/>
@@ -7548,7 +7548,7 @@
             <a:pPr>
               <a:defRPr/>
             </a:pPr>
-            <a:fld id="{6470F4CB-E172-4DC4-9D7B-4FE40B26A917}" type="slidenum">
+            <a:fld id="{8660C812-DDDE-415C-88FC-A3102DFC75D5}" type="slidenum">
               <a:rPr lang="es-PE"/>
               <a:pPr>
                 <a:defRPr/>
@@ -7629,7 +7629,7 @@
             <a:pPr>
               <a:defRPr/>
             </a:pPr>
-            <a:fld id="{A4970876-42A2-4048-AB1C-197117C952E1}" type="datetimeFigureOut">
+            <a:fld id="{6BA1AC1B-D355-40E9-95D1-3EE6CDFAE766}" type="datetimeFigureOut">
               <a:rPr lang="es-PE"/>
               <a:pPr>
                 <a:defRPr/>
@@ -7688,7 +7688,7 @@
             <a:pPr>
               <a:defRPr/>
             </a:pPr>
-            <a:fld id="{0DF54863-BF8F-4666-985A-F79646665CF7}" type="slidenum">
+            <a:fld id="{D5373CF1-B4B5-48F6-89D4-5117B6445A88}" type="slidenum">
               <a:rPr lang="es-PE"/>
               <a:pPr>
                 <a:defRPr/>
@@ -9410,7 +9410,7 @@
             <a:pPr>
               <a:defRPr/>
             </a:pPr>
-            <a:fld id="{5B4C3904-2A3B-40A0-94BE-ED5352FEFE84}" type="datetimeFigureOut">
+            <a:fld id="{F16E5D00-0484-4B9D-A64D-C2D7DC4B932B}" type="datetimeFigureOut">
               <a:rPr lang="es-PE"/>
               <a:pPr>
                 <a:defRPr/>
@@ -9469,7 +9469,7 @@
             <a:pPr>
               <a:defRPr/>
             </a:pPr>
-            <a:fld id="{8B071664-200C-48DF-8793-B9171BB01999}" type="slidenum">
+            <a:fld id="{96A8A31F-D875-49FB-AB0F-31866FFA1B0F}" type="slidenum">
               <a:rPr lang="es-PE"/>
               <a:pPr>
                 <a:defRPr/>
@@ -11426,7 +11426,7 @@
             <a:pPr>
               <a:defRPr/>
             </a:pPr>
-            <a:fld id="{981A043F-FFCE-4069-8BB6-9BF6869F93A0}" type="datetimeFigureOut">
+            <a:fld id="{875AB156-E1C2-46E4-89D3-A657DB0F885E}" type="datetimeFigureOut">
               <a:rPr lang="es-PE"/>
               <a:pPr>
                 <a:defRPr/>
@@ -11485,7 +11485,7 @@
             <a:pPr>
               <a:defRPr/>
             </a:pPr>
-            <a:fld id="{6AAF67C7-64B5-4596-96B4-EE92F4442CAE}" type="slidenum">
+            <a:fld id="{61C4AC83-4C99-4CD0-9615-42BB0410ACE6}" type="slidenum">
               <a:rPr lang="es-PE"/>
               <a:pPr>
                 <a:defRPr/>
@@ -13413,7 +13413,7 @@
             <a:pPr>
               <a:defRPr/>
             </a:pPr>
-            <a:fld id="{5C1126E1-5C00-4310-A6E6-C26A60F18B95}" type="datetimeFigureOut">
+            <a:fld id="{235F9F41-4D0B-4C66-BB09-CFEC3ABD7FD7}" type="datetimeFigureOut">
               <a:rPr lang="es-PE"/>
               <a:pPr>
                 <a:defRPr/>
@@ -13472,7 +13472,7 @@
             <a:pPr>
               <a:defRPr/>
             </a:pPr>
-            <a:fld id="{9192CA71-3C32-4ACD-B9ED-E3CA612103BA}" type="slidenum">
+            <a:fld id="{E1540BDA-4DC4-4FE5-86D7-26160E8ACE3A}" type="slidenum">
               <a:rPr lang="es-PE"/>
               <a:pPr>
                 <a:defRPr/>
@@ -15261,7 +15261,7 @@
             <a:pPr>
               <a:defRPr/>
             </a:pPr>
-            <a:fld id="{0F24E0CD-5791-4550-BF72-DD515441A5C7}" type="datetimeFigureOut">
+            <a:fld id="{B90E2465-0EA8-4BB4-84DF-FE694EAB9B06}" type="datetimeFigureOut">
               <a:rPr lang="es-PE"/>
               <a:pPr>
                 <a:defRPr/>
@@ -15358,7 +15358,7 @@
             <a:pPr>
               <a:defRPr/>
             </a:pPr>
-            <a:fld id="{1B6B8432-ACA1-4337-B09E-CDC02BC37736}" type="slidenum">
+            <a:fld id="{156D0077-B35E-4026-B518-2A673327BFE6}" type="slidenum">
               <a:rPr lang="es-PE"/>
               <a:pPr>
                 <a:defRPr/>
@@ -15445,17 +15445,17 @@
   <p:clrMap bg1="lt1" tx1="dk1" bg2="lt2" tx2="dk2" accent1="accent1" accent2="accent2" accent3="accent3" accent4="accent4" accent5="accent5" accent6="accent6" hlink="hlink" folHlink="folHlink"/>
   <p:sldLayoutIdLst>
     <p:sldLayoutId id="2147483673" r:id="rId1"/>
-    <p:sldLayoutId id="2147483667" r:id="rId2"/>
+    <p:sldLayoutId id="2147483672" r:id="rId2"/>
     <p:sldLayoutId id="2147483674" r:id="rId3"/>
-    <p:sldLayoutId id="2147483668" r:id="rId4"/>
-    <p:sldLayoutId id="2147483669" r:id="rId5"/>
-    <p:sldLayoutId id="2147483670" r:id="rId6"/>
+    <p:sldLayoutId id="2147483671" r:id="rId4"/>
+    <p:sldLayoutId id="2147483670" r:id="rId5"/>
+    <p:sldLayoutId id="2147483669" r:id="rId6"/>
     <p:sldLayoutId id="2147483675" r:id="rId7"/>
     <p:sldLayoutId id="2147483676" r:id="rId8"/>
     <p:sldLayoutId id="2147483677" r:id="rId9"/>
-    <p:sldLayoutId id="2147483671" r:id="rId10"/>
+    <p:sldLayoutId id="2147483668" r:id="rId10"/>
     <p:sldLayoutId id="2147483678" r:id="rId11"/>
-    <p:sldLayoutId id="2147483672" r:id="rId12"/>
+    <p:sldLayoutId id="2147483667" r:id="rId12"/>
   </p:sldLayoutIdLst>
   <p:txStyles>
     <p:titleStyle>
@@ -17161,7 +17161,7 @@
       </p:sp>
       <p:pic>
         <p:nvPicPr>
-          <p:cNvPr id="17413" name="Picture 5"/>
+          <p:cNvPr id="17415" name="Picture 7"/>
           <p:cNvPicPr>
             <a:picLocks noChangeAspect="1" noChangeArrowheads="1"/>
           </p:cNvPicPr>
@@ -17169,15 +17169,15 @@
         </p:nvPicPr>
         <p:blipFill>
           <a:blip r:embed="rId2"/>
-          <a:srcRect l="4054" r="2803" b="2675"/>
+          <a:srcRect/>
           <a:stretch>
             <a:fillRect/>
           </a:stretch>
         </p:blipFill>
         <p:spPr bwMode="auto">
           <a:xfrm>
-            <a:off x="395288" y="1052513"/>
-            <a:ext cx="8280400" cy="5256212"/>
+            <a:off x="34925" y="1851025"/>
+            <a:ext cx="8785225" cy="3738563"/>
           </a:xfrm>
           <a:prstGeom prst="rect">
             <a:avLst/>
@@ -17476,7 +17476,7 @@
       </p:sp>
       <p:pic>
         <p:nvPicPr>
-          <p:cNvPr id="19461" name="Picture 5" descr="ANd9GcS6oPp7N2gJcZxWtmCGGDnHTpl03Qup-L1NKJy3SbveMdnNbT3R52kW_Vuc"/>
+          <p:cNvPr id="19459" name="Picture 5" descr="ANd9GcS6oPp7N2gJcZxWtmCGGDnHTpl03Qup-L1NKJy3SbveMdnNbT3R52kW_Vuc"/>
           <p:cNvPicPr>
             <a:picLocks noChangeAspect="1" noChangeArrowheads="1"/>
           </p:cNvPicPr>
@@ -17498,6 +17498,12 @@
             <a:avLst/>
           </a:prstGeom>
           <a:noFill/>
+          <a:ln w="9525">
+            <a:noFill/>
+            <a:miter lim="800000"/>
+            <a:headEnd/>
+            <a:tailEnd/>
+          </a:ln>
         </p:spPr>
       </p:pic>
     </p:spTree>
@@ -17672,7 +17678,7 @@
       </p:sp>
       <p:pic>
         <p:nvPicPr>
-          <p:cNvPr id="20484" name="Picture 4" descr="webportal_"/>
+          <p:cNvPr id="20483" name="Picture 4" descr="webportal_"/>
           <p:cNvPicPr>
             <a:picLocks noChangeAspect="1" noChangeArrowheads="1"/>
           </p:cNvPicPr>
@@ -17694,6 +17700,12 @@
             <a:avLst/>
           </a:prstGeom>
           <a:noFill/>
+          <a:ln w="9525">
+            <a:noFill/>
+            <a:miter lim="800000"/>
+            <a:headEnd/>
+            <a:tailEnd/>
+          </a:ln>
         </p:spPr>
       </p:pic>
     </p:spTree>
@@ -17868,7 +17880,7 @@
       </p:sp>
       <p:pic>
         <p:nvPicPr>
-          <p:cNvPr id="21511" name="Picture 7" descr="database"/>
+          <p:cNvPr id="21507" name="Picture 7" descr="database"/>
           <p:cNvPicPr>
             <a:picLocks noChangeAspect="1" noChangeArrowheads="1"/>
           </p:cNvPicPr>
@@ -17890,6 +17902,12 @@
             <a:avLst/>
           </a:prstGeom>
           <a:noFill/>
+          <a:ln w="9525">
+            <a:noFill/>
+            <a:miter lim="800000"/>
+            <a:headEnd/>
+            <a:tailEnd/>
+          </a:ln>
         </p:spPr>
       </p:pic>
     </p:spTree>
@@ -17963,7 +17981,7 @@
       </p:sp>
       <p:pic>
         <p:nvPicPr>
-          <p:cNvPr id="22530" name="Picture 3"/>
+          <p:cNvPr id="22532" name="Picture 4"/>
           <p:cNvPicPr>
             <a:picLocks noChangeAspect="1" noChangeArrowheads="1"/>
           </p:cNvPicPr>
@@ -17989,8 +18007,8 @@
         </p:blipFill>
         <p:spPr bwMode="auto">
           <a:xfrm>
-            <a:off x="1692275" y="1295400"/>
-            <a:ext cx="6119813" cy="5446713"/>
+            <a:off x="1547813" y="1035050"/>
+            <a:ext cx="6226175" cy="5822950"/>
           </a:xfrm>
           <a:prstGeom prst="rect">
             <a:avLst/>
@@ -18002,6 +18020,7 @@
             <a:headEnd/>
             <a:tailEnd/>
           </a:ln>
+          <a:effectLst/>
         </p:spPr>
       </p:pic>
     </p:spTree>

--- a/ITERACION 5/SUBITERACION 2/PRESENTACION01/PPT TP3 PRES02.pptx
+++ b/ITERACION 5/SUBITERACION 2/PRESENTACION01/PPT TP3 PRES02.pptx
@@ -5,24 +5,26 @@
     <p:sldMasterId id="2147483660" r:id="rId1"/>
   </p:sldMasterIdLst>
   <p:notesMasterIdLst>
-    <p:notesMasterId r:id="rId17"/>
+    <p:notesMasterId r:id="rId19"/>
   </p:notesMasterIdLst>
   <p:sldIdLst>
     <p:sldId id="256" r:id="rId2"/>
-    <p:sldId id="324" r:id="rId3"/>
-    <p:sldId id="408" r:id="rId4"/>
-    <p:sldId id="413" r:id="rId5"/>
-    <p:sldId id="409" r:id="rId6"/>
-    <p:sldId id="412" r:id="rId7"/>
-    <p:sldId id="410" r:id="rId8"/>
-    <p:sldId id="411" r:id="rId9"/>
-    <p:sldId id="406" r:id="rId10"/>
-    <p:sldId id="415" r:id="rId11"/>
-    <p:sldId id="403" r:id="rId12"/>
-    <p:sldId id="414" r:id="rId13"/>
-    <p:sldId id="416" r:id="rId14"/>
-    <p:sldId id="417" r:id="rId15"/>
-    <p:sldId id="379" r:id="rId16"/>
+    <p:sldId id="418" r:id="rId3"/>
+    <p:sldId id="419" r:id="rId4"/>
+    <p:sldId id="324" r:id="rId5"/>
+    <p:sldId id="408" r:id="rId6"/>
+    <p:sldId id="413" r:id="rId7"/>
+    <p:sldId id="409" r:id="rId8"/>
+    <p:sldId id="412" r:id="rId9"/>
+    <p:sldId id="410" r:id="rId10"/>
+    <p:sldId id="411" r:id="rId11"/>
+    <p:sldId id="406" r:id="rId12"/>
+    <p:sldId id="415" r:id="rId13"/>
+    <p:sldId id="403" r:id="rId14"/>
+    <p:sldId id="414" r:id="rId15"/>
+    <p:sldId id="416" r:id="rId16"/>
+    <p:sldId id="417" r:id="rId17"/>
+    <p:sldId id="379" r:id="rId18"/>
   </p:sldIdLst>
   <p:sldSz cx="9144000" cy="6858000" type="screen4x3"/>
   <p:notesSz cx="6858000" cy="9144000"/>
@@ -256,7 +258,7 @@
             <a:pPr>
               <a:defRPr/>
             </a:pPr>
-            <a:fld id="{3F303E6F-52B0-4054-9BC5-84E9F5FC71E6}" type="datetimeFigureOut">
+            <a:fld id="{14F9270D-F6F6-4A24-BC72-36DE3A09A638}" type="datetimeFigureOut">
               <a:rPr lang="es-PE"/>
               <a:pPr>
                 <a:defRPr/>
@@ -443,7 +445,7 @@
             <a:pPr>
               <a:defRPr/>
             </a:pPr>
-            <a:fld id="{61C5211F-F2B6-4578-AEB0-4BEB004160D1}" type="slidenum">
+            <a:fld id="{8BF1198E-B015-4B2D-A4AC-7D22865D862A}" type="slidenum">
               <a:rPr lang="es-PE"/>
               <a:pPr>
                 <a:defRPr/>
@@ -2442,7 +2444,7 @@
             <a:pPr>
               <a:defRPr/>
             </a:pPr>
-            <a:fld id="{8AAAFD12-A242-4143-92DC-0F70FDCF84C8}" type="datetimeFigureOut">
+            <a:fld id="{0F591A59-1AD0-49B0-BB33-5943DACD9C2C}" type="datetimeFigureOut">
               <a:rPr lang="es-PE"/>
               <a:pPr>
                 <a:defRPr/>
@@ -2501,7 +2503,7 @@
             <a:pPr>
               <a:defRPr/>
             </a:pPr>
-            <a:fld id="{6F99ED9E-BBDE-4F7A-9933-6D42F225607A}" type="slidenum">
+            <a:fld id="{3AF32A3D-9758-403F-9CC7-65892AC830A6}" type="slidenum">
               <a:rPr lang="es-PE"/>
               <a:pPr>
                 <a:defRPr/>
@@ -2650,7 +2652,7 @@
             <a:pPr>
               <a:defRPr/>
             </a:pPr>
-            <a:fld id="{21FDECD6-9822-41C7-8DFF-C68113DA0881}" type="datetimeFigureOut">
+            <a:fld id="{B23905AA-D77C-4072-B99D-79F95D182BE0}" type="datetimeFigureOut">
               <a:rPr lang="es-PE"/>
               <a:pPr>
                 <a:defRPr/>
@@ -2709,7 +2711,7 @@
             <a:pPr>
               <a:defRPr/>
             </a:pPr>
-            <a:fld id="{4A6C898E-DC0F-4F4E-B22F-1540941EFB6E}" type="slidenum">
+            <a:fld id="{7BBF07A1-B5A5-4E9A-8388-153884A236C2}" type="slidenum">
               <a:rPr lang="es-PE"/>
               <a:pPr>
                 <a:defRPr/>
@@ -4555,7 +4557,7 @@
             <a:pPr>
               <a:defRPr/>
             </a:pPr>
-            <a:fld id="{63669E50-AA6E-4538-B9CF-7AAE903ACCAC}" type="datetimeFigureOut">
+            <a:fld id="{04CF38CD-A81A-4839-9559-37CFF0AEC856}" type="datetimeFigureOut">
               <a:rPr lang="es-PE"/>
               <a:pPr>
                 <a:defRPr/>
@@ -4614,7 +4616,7 @@
             <a:pPr>
               <a:defRPr/>
             </a:pPr>
-            <a:fld id="{6703B2BC-4D9C-4273-ABFA-1ACA4E36B091}" type="slidenum">
+            <a:fld id="{7B194154-E7FE-490F-97C1-A1F140945AB1}" type="slidenum">
               <a:rPr lang="es-PE"/>
               <a:pPr>
                 <a:defRPr/>
@@ -4672,7 +4674,7 @@
             <a:pPr>
               <a:defRPr/>
             </a:pPr>
-            <a:fld id="{105581CD-D1A1-4DB2-9738-B35D5A20A596}" type="datetimeFigureOut">
+            <a:fld id="{006435AD-DE92-4179-8BA4-66A3732B3D22}" type="datetimeFigureOut">
               <a:rPr lang="es-PE"/>
               <a:pPr>
                 <a:defRPr/>
@@ -4731,7 +4733,7 @@
             <a:pPr>
               <a:defRPr/>
             </a:pPr>
-            <a:fld id="{7BD0E0AF-1E1B-4810-ADDB-A367E9F9DEF9}" type="slidenum">
+            <a:fld id="{B814C768-D8BA-47D3-B1A5-72CFF1227250}" type="slidenum">
               <a:rPr lang="es-PE"/>
               <a:pPr>
                 <a:defRPr/>
@@ -4864,7 +4866,7 @@
             <a:pPr>
               <a:defRPr/>
             </a:pPr>
-            <a:fld id="{C20832C4-3FDF-4D22-9FC4-DEE4EBFE7542}" type="datetimeFigureOut">
+            <a:fld id="{85398665-FA18-4C13-AD1B-C1D8FD3F88B9}" type="datetimeFigureOut">
               <a:rPr lang="es-PE"/>
               <a:pPr>
                 <a:defRPr/>
@@ -4923,7 +4925,7 @@
             <a:pPr>
               <a:defRPr/>
             </a:pPr>
-            <a:fld id="{D5127F40-1DAB-41C4-AB71-996BBF3D115B}" type="slidenum">
+            <a:fld id="{1623F3CE-4320-4989-82E5-064A761E03EA}" type="slidenum">
               <a:rPr lang="es-PE"/>
               <a:pPr>
                 <a:defRPr/>
@@ -6781,7 +6783,7 @@
             <a:pPr>
               <a:defRPr/>
             </a:pPr>
-            <a:fld id="{8D985B86-8A09-4D3A-8965-90C03F58BAA9}" type="datetimeFigureOut">
+            <a:fld id="{917C997A-2A9D-4151-86FC-1593790A8E4B}" type="datetimeFigureOut">
               <a:rPr lang="es-PE"/>
               <a:pPr>
                 <a:defRPr/>
@@ -6840,7 +6842,7 @@
             <a:pPr>
               <a:defRPr/>
             </a:pPr>
-            <a:fld id="{89CC2873-79F3-4714-90B1-A2D7550ACDB5}" type="slidenum">
+            <a:fld id="{5093ABAE-0CAF-455C-87D2-BF7F27ECB64F}" type="slidenum">
               <a:rPr lang="es-PE"/>
               <a:pPr>
                 <a:defRPr/>
@@ -7035,7 +7037,7 @@
             <a:pPr>
               <a:defRPr/>
             </a:pPr>
-            <a:fld id="{E483D4C3-2640-4ADA-A044-AB745D3708ED}" type="datetimeFigureOut">
+            <a:fld id="{4D950315-7E98-4AFB-8211-3CE73AF794C6}" type="datetimeFigureOut">
               <a:rPr lang="es-PE"/>
               <a:pPr>
                 <a:defRPr/>
@@ -7094,7 +7096,7 @@
             <a:pPr>
               <a:defRPr/>
             </a:pPr>
-            <a:fld id="{10C5B6F3-B7D3-4397-A984-07B64BC14454}" type="slidenum">
+            <a:fld id="{C40A828C-CBA0-4C50-BBE3-22F6E4C84756}" type="slidenum">
               <a:rPr lang="es-PE"/>
               <a:pPr>
                 <a:defRPr/>
@@ -7489,7 +7491,7 @@
             <a:pPr>
               <a:defRPr/>
             </a:pPr>
-            <a:fld id="{32C4B225-2D88-4100-AE93-3CE25BABA385}" type="datetimeFigureOut">
+            <a:fld id="{E417B0FF-81CF-490E-BD0A-A3DDFB929E37}" type="datetimeFigureOut">
               <a:rPr lang="es-PE"/>
               <a:pPr>
                 <a:defRPr/>
@@ -7548,7 +7550,7 @@
             <a:pPr>
               <a:defRPr/>
             </a:pPr>
-            <a:fld id="{8660C812-DDDE-415C-88FC-A3102DFC75D5}" type="slidenum">
+            <a:fld id="{9F7964CE-B86E-4B40-995C-6C375A0A14A7}" type="slidenum">
               <a:rPr lang="es-PE"/>
               <a:pPr>
                 <a:defRPr/>
@@ -7629,7 +7631,7 @@
             <a:pPr>
               <a:defRPr/>
             </a:pPr>
-            <a:fld id="{6BA1AC1B-D355-40E9-95D1-3EE6CDFAE766}" type="datetimeFigureOut">
+            <a:fld id="{16ED13FA-DEA0-4664-9B3C-A68000A8F02E}" type="datetimeFigureOut">
               <a:rPr lang="es-PE"/>
               <a:pPr>
                 <a:defRPr/>
@@ -7688,7 +7690,7 @@
             <a:pPr>
               <a:defRPr/>
             </a:pPr>
-            <a:fld id="{D5373CF1-B4B5-48F6-89D4-5117B6445A88}" type="slidenum">
+            <a:fld id="{11F2A271-3006-45AC-8DD5-E128434A7ABA}" type="slidenum">
               <a:rPr lang="es-PE"/>
               <a:pPr>
                 <a:defRPr/>
@@ -9410,7 +9412,7 @@
             <a:pPr>
               <a:defRPr/>
             </a:pPr>
-            <a:fld id="{F16E5D00-0484-4B9D-A64D-C2D7DC4B932B}" type="datetimeFigureOut">
+            <a:fld id="{0AFA3272-0EB6-4F04-8204-F0C8AD5AFC83}" type="datetimeFigureOut">
               <a:rPr lang="es-PE"/>
               <a:pPr>
                 <a:defRPr/>
@@ -9469,7 +9471,7 @@
             <a:pPr>
               <a:defRPr/>
             </a:pPr>
-            <a:fld id="{96A8A31F-D875-49FB-AB0F-31866FFA1B0F}" type="slidenum">
+            <a:fld id="{1AF11E44-C387-493D-80F3-A6D365531E15}" type="slidenum">
               <a:rPr lang="es-PE"/>
               <a:pPr>
                 <a:defRPr/>
@@ -11426,7 +11428,7 @@
             <a:pPr>
               <a:defRPr/>
             </a:pPr>
-            <a:fld id="{875AB156-E1C2-46E4-89D3-A657DB0F885E}" type="datetimeFigureOut">
+            <a:fld id="{ABE9B1B6-8102-45C8-ACAB-01040B50C118}" type="datetimeFigureOut">
               <a:rPr lang="es-PE"/>
               <a:pPr>
                 <a:defRPr/>
@@ -11485,7 +11487,7 @@
             <a:pPr>
               <a:defRPr/>
             </a:pPr>
-            <a:fld id="{61C4AC83-4C99-4CD0-9615-42BB0410ACE6}" type="slidenum">
+            <a:fld id="{0E5B4232-EBA0-4488-93BF-8D991952A564}" type="slidenum">
               <a:rPr lang="es-PE"/>
               <a:pPr>
                 <a:defRPr/>
@@ -13413,7 +13415,7 @@
             <a:pPr>
               <a:defRPr/>
             </a:pPr>
-            <a:fld id="{235F9F41-4D0B-4C66-BB09-CFEC3ABD7FD7}" type="datetimeFigureOut">
+            <a:fld id="{57C02B2F-AF32-4158-9765-28934E7D11D5}" type="datetimeFigureOut">
               <a:rPr lang="es-PE"/>
               <a:pPr>
                 <a:defRPr/>
@@ -13472,7 +13474,7 @@
             <a:pPr>
               <a:defRPr/>
             </a:pPr>
-            <a:fld id="{E1540BDA-4DC4-4FE5-86D7-26160E8ACE3A}" type="slidenum">
+            <a:fld id="{E7D6D7FC-1188-4D9F-9C5A-0A9B4CE3A41C}" type="slidenum">
               <a:rPr lang="es-PE"/>
               <a:pPr>
                 <a:defRPr/>
@@ -15261,7 +15263,7 @@
             <a:pPr>
               <a:defRPr/>
             </a:pPr>
-            <a:fld id="{B90E2465-0EA8-4BB4-84DF-FE694EAB9B06}" type="datetimeFigureOut">
+            <a:fld id="{D28F0D81-8259-4AFE-A27C-5A2113311941}" type="datetimeFigureOut">
               <a:rPr lang="es-PE"/>
               <a:pPr>
                 <a:defRPr/>
@@ -15358,7 +15360,7 @@
             <a:pPr>
               <a:defRPr/>
             </a:pPr>
-            <a:fld id="{156D0077-B35E-4026-B518-2A673327BFE6}" type="slidenum">
+            <a:fld id="{10A897B2-DEDD-4D0A-8FF7-8456ECA99E2A}" type="slidenum">
               <a:rPr lang="es-PE"/>
               <a:pPr>
                 <a:defRPr/>
@@ -16023,6 +16025,182 @@
       </p:grpSpPr>
       <p:sp>
         <p:nvSpPr>
+          <p:cNvPr id="22529" name="2 Título"/>
+          <p:cNvSpPr>
+            <a:spLocks noGrp="1"/>
+          </p:cNvSpPr>
+          <p:nvPr>
+            <p:ph type="title" idx="4294967295"/>
+          </p:nvPr>
+        </p:nvSpPr>
+        <p:spPr>
+          <a:xfrm>
+            <a:off x="468313" y="260350"/>
+            <a:ext cx="8229600" cy="936625"/>
+          </a:xfrm>
+        </p:spPr>
+        <p:txBody>
+          <a:bodyPr/>
+          <a:lstStyle/>
+          <a:p>
+            <a:pPr eaLnBrk="1" hangingPunct="1"/>
+            <a:r>
+              <a:rPr lang="en-US" b="1" smtClean="0">
+                <a:solidFill>
+                  <a:schemeClr val="tx2"/>
+                </a:solidFill>
+              </a:rPr>
+              <a:t>Modelo de datos</a:t>
+            </a:r>
+            <a:endParaRPr lang="es-PE" b="1" smtClean="0">
+              <a:solidFill>
+                <a:schemeClr val="tx2"/>
+              </a:solidFill>
+            </a:endParaRPr>
+          </a:p>
+        </p:txBody>
+      </p:sp>
+      <p:pic>
+        <p:nvPicPr>
+          <p:cNvPr id="22530" name="Picture 4"/>
+          <p:cNvPicPr>
+            <a:picLocks noChangeAspect="1" noChangeArrowheads="1"/>
+          </p:cNvPicPr>
+          <p:nvPr/>
+        </p:nvPicPr>
+        <p:blipFill>
+          <a:blip r:embed="rId2">
+            <a:clrChange>
+              <a:clrFrom>
+                <a:srgbClr val="FFFFFF"/>
+              </a:clrFrom>
+              <a:clrTo>
+                <a:srgbClr val="FFFFFF">
+                  <a:alpha val="0"/>
+                </a:srgbClr>
+              </a:clrTo>
+            </a:clrChange>
+          </a:blip>
+          <a:srcRect/>
+          <a:stretch>
+            <a:fillRect/>
+          </a:stretch>
+        </p:blipFill>
+        <p:spPr bwMode="auto">
+          <a:xfrm>
+            <a:off x="1547813" y="1035050"/>
+            <a:ext cx="6226175" cy="5822950"/>
+          </a:xfrm>
+          <a:prstGeom prst="rect">
+            <a:avLst/>
+          </a:prstGeom>
+          <a:noFill/>
+          <a:ln w="9525">
+            <a:noFill/>
+            <a:miter lim="800000"/>
+            <a:headEnd/>
+            <a:tailEnd/>
+          </a:ln>
+        </p:spPr>
+      </p:pic>
+    </p:spTree>
+  </p:cSld>
+  <p:clrMapOvr>
+    <a:masterClrMapping/>
+  </p:clrMapOvr>
+  <p:timing>
+    <p:tnLst>
+      <p:par>
+        <p:cTn id="1" dur="indefinite" restart="never" nodeType="tmRoot"/>
+      </p:par>
+    </p:tnLst>
+  </p:timing>
+</p:sld>
+</file>
+
+<file path=ppt/slides/slide11.xml><?xml version="1.0" encoding="utf-8"?>
+<p:sld xmlns:a="http://schemas.openxmlformats.org/drawingml/2006/main" xmlns:r="http://schemas.openxmlformats.org/officeDocument/2006/relationships" xmlns:p="http://schemas.openxmlformats.org/presentationml/2006/main">
+  <p:cSld>
+    <p:spTree>
+      <p:nvGrpSpPr>
+        <p:cNvPr id="1" name=""/>
+        <p:cNvGrpSpPr/>
+        <p:nvPr/>
+      </p:nvGrpSpPr>
+      <p:grpSpPr>
+        <a:xfrm>
+          <a:off x="0" y="0"/>
+          <a:ext cx="0" cy="0"/>
+          <a:chOff x="0" y="0"/>
+          <a:chExt cx="0" cy="0"/>
+        </a:xfrm>
+      </p:grpSpPr>
+      <p:sp>
+        <p:nvSpPr>
+          <p:cNvPr id="23553" name="2 Título"/>
+          <p:cNvSpPr>
+            <a:spLocks noGrp="1"/>
+          </p:cNvSpPr>
+          <p:nvPr>
+            <p:ph type="title" idx="4294967295"/>
+          </p:nvPr>
+        </p:nvSpPr>
+        <p:spPr>
+          <a:xfrm>
+            <a:off x="611188" y="2852738"/>
+            <a:ext cx="8229600" cy="1252537"/>
+          </a:xfrm>
+        </p:spPr>
+        <p:txBody>
+          <a:bodyPr/>
+          <a:lstStyle/>
+          <a:p>
+            <a:pPr eaLnBrk="1" hangingPunct="1"/>
+            <a:r>
+              <a:rPr lang="es-PE" b="1" smtClean="0">
+                <a:solidFill>
+                  <a:schemeClr val="tx2"/>
+                </a:solidFill>
+              </a:rPr>
+              <a:t>PATRONES DE DISEÑO</a:t>
+            </a:r>
+          </a:p>
+        </p:txBody>
+      </p:sp>
+    </p:spTree>
+  </p:cSld>
+  <p:clrMapOvr>
+    <a:masterClrMapping/>
+  </p:clrMapOvr>
+  <p:timing>
+    <p:tnLst>
+      <p:par>
+        <p:cTn id="1" dur="indefinite" restart="never" nodeType="tmRoot"/>
+      </p:par>
+    </p:tnLst>
+  </p:timing>
+</p:sld>
+</file>
+
+<file path=ppt/slides/slide12.xml><?xml version="1.0" encoding="utf-8"?>
+<p:sld xmlns:a="http://schemas.openxmlformats.org/drawingml/2006/main" xmlns:r="http://schemas.openxmlformats.org/officeDocument/2006/relationships" xmlns:p="http://schemas.openxmlformats.org/presentationml/2006/main">
+  <p:cSld>
+    <p:spTree>
+      <p:nvGrpSpPr>
+        <p:cNvPr id="1" name=""/>
+        <p:cNvGrpSpPr/>
+        <p:nvPr/>
+      </p:nvGrpSpPr>
+      <p:grpSpPr>
+        <a:xfrm>
+          <a:off x="0" y="0"/>
+          <a:ext cx="0" cy="0"/>
+          <a:chOff x="0" y="0"/>
+          <a:chExt cx="0" cy="0"/>
+        </a:xfrm>
+      </p:grpSpPr>
+      <p:sp>
+        <p:nvSpPr>
           <p:cNvPr id="24577" name="2 Título"/>
           <p:cNvSpPr>
             <a:spLocks noGrp="1"/>
@@ -16100,7 +16278,7 @@
 </p:sld>
 </file>
 
-<file path=ppt/slides/slide11.xml><?xml version="1.0" encoding="utf-8"?>
+<file path=ppt/slides/slide13.xml><?xml version="1.0" encoding="utf-8"?>
 <p:sld xmlns:a="http://schemas.openxmlformats.org/drawingml/2006/main" xmlns:r="http://schemas.openxmlformats.org/officeDocument/2006/relationships" xmlns:p="http://schemas.openxmlformats.org/presentationml/2006/main">
   <p:cSld>
     <p:spTree>
@@ -16468,7 +16646,7 @@
 </p:sld>
 </file>
 
-<file path=ppt/slides/slide12.xml><?xml version="1.0" encoding="utf-8"?>
+<file path=ppt/slides/slide14.xml><?xml version="1.0" encoding="utf-8"?>
 <p:sld xmlns:a="http://schemas.openxmlformats.org/drawingml/2006/main" xmlns:r="http://schemas.openxmlformats.org/officeDocument/2006/relationships" xmlns:p="http://schemas.openxmlformats.org/presentationml/2006/main">
   <p:cSld>
     <p:spTree>
@@ -16592,7 +16770,7 @@
 </p:sld>
 </file>
 
-<file path=ppt/slides/slide13.xml><?xml version="1.0" encoding="utf-8"?>
+<file path=ppt/slides/slide15.xml><?xml version="1.0" encoding="utf-8"?>
 <p:sld xmlns:a="http://schemas.openxmlformats.org/drawingml/2006/main" xmlns:r="http://schemas.openxmlformats.org/officeDocument/2006/relationships" xmlns:p="http://schemas.openxmlformats.org/presentationml/2006/main">
   <p:cSld>
     <p:spTree>
@@ -16714,7 +16892,7 @@
 </p:sld>
 </file>
 
-<file path=ppt/slides/slide14.xml><?xml version="1.0" encoding="utf-8"?>
+<file path=ppt/slides/slide16.xml><?xml version="1.0" encoding="utf-8"?>
 <p:sld xmlns:a="http://schemas.openxmlformats.org/drawingml/2006/main" xmlns:r="http://schemas.openxmlformats.org/officeDocument/2006/relationships" xmlns:p="http://schemas.openxmlformats.org/presentationml/2006/main">
   <p:cSld>
     <p:spTree>
@@ -16793,7 +16971,7 @@
 </p:sld>
 </file>
 
-<file path=ppt/slides/slide15.xml><?xml version="1.0" encoding="utf-8"?>
+<file path=ppt/slides/slide17.xml><?xml version="1.0" encoding="utf-8"?>
 <p:sld xmlns:a="http://schemas.openxmlformats.org/drawingml/2006/main" xmlns:r="http://schemas.openxmlformats.org/officeDocument/2006/relationships" xmlns:p="http://schemas.openxmlformats.org/presentationml/2006/main">
   <p:cSld>
     <p:spTree>
@@ -17018,6 +17196,219 @@
       </p:grpSpPr>
       <p:sp>
         <p:nvSpPr>
+          <p:cNvPr id="36866" name="2 Título"/>
+          <p:cNvSpPr>
+            <a:spLocks noGrp="1"/>
+          </p:cNvSpPr>
+          <p:nvPr>
+            <p:ph type="title" idx="4294967295"/>
+          </p:nvPr>
+        </p:nvSpPr>
+        <p:spPr>
+          <a:xfrm>
+            <a:off x="611188" y="2852738"/>
+            <a:ext cx="8229600" cy="1252537"/>
+          </a:xfrm>
+        </p:spPr>
+        <p:txBody>
+          <a:bodyPr/>
+          <a:lstStyle/>
+          <a:p>
+            <a:pPr eaLnBrk="1" hangingPunct="1"/>
+            <a:r>
+              <a:rPr lang="es-PE" sz="4000" b="1" smtClean="0">
+                <a:solidFill>
+                  <a:schemeClr val="tx2"/>
+                </a:solidFill>
+              </a:rPr>
+              <a:t>REFINAMIENTO DE LA ARQUITECTURA</a:t>
+            </a:r>
+          </a:p>
+        </p:txBody>
+      </p:sp>
+    </p:spTree>
+  </p:cSld>
+  <p:clrMapOvr>
+    <a:masterClrMapping/>
+  </p:clrMapOvr>
+  <p:timing>
+    <p:tnLst>
+      <p:par>
+        <p:cTn id="1" dur="indefinite" restart="never" nodeType="tmRoot"/>
+      </p:par>
+    </p:tnLst>
+  </p:timing>
+</p:sld>
+</file>
+
+<file path=ppt/slides/slide3.xml><?xml version="1.0" encoding="utf-8"?>
+<p:sld xmlns:a="http://schemas.openxmlformats.org/drawingml/2006/main" xmlns:r="http://schemas.openxmlformats.org/officeDocument/2006/relationships" xmlns:p="http://schemas.openxmlformats.org/presentationml/2006/main">
+  <p:cSld>
+    <p:spTree>
+      <p:nvGrpSpPr>
+        <p:cNvPr id="1" name=""/>
+        <p:cNvGrpSpPr/>
+        <p:nvPr/>
+      </p:nvGrpSpPr>
+      <p:grpSpPr>
+        <a:xfrm>
+          <a:off x="0" y="0"/>
+          <a:ext cx="0" cy="0"/>
+          <a:chOff x="0" y="0"/>
+          <a:chExt cx="0" cy="0"/>
+        </a:xfrm>
+      </p:grpSpPr>
+      <p:sp>
+        <p:nvSpPr>
+          <p:cNvPr id="37890" name="2 Título"/>
+          <p:cNvSpPr>
+            <a:spLocks noGrp="1"/>
+          </p:cNvSpPr>
+          <p:nvPr>
+            <p:ph type="title" idx="4294967295"/>
+          </p:nvPr>
+        </p:nvSpPr>
+        <p:spPr>
+          <a:xfrm>
+            <a:off x="468313" y="260350"/>
+            <a:ext cx="8229600" cy="936625"/>
+          </a:xfrm>
+        </p:spPr>
+        <p:txBody>
+          <a:bodyPr/>
+          <a:lstStyle/>
+          <a:p>
+            <a:pPr eaLnBrk="1" hangingPunct="1"/>
+            <a:r>
+              <a:rPr lang="en-US" b="1" smtClean="0">
+                <a:solidFill>
+                  <a:schemeClr val="tx2"/>
+                </a:solidFill>
+              </a:rPr>
+              <a:t>Diagrama de Casos de uso</a:t>
+            </a:r>
+            <a:endParaRPr lang="es-PE" b="1" smtClean="0">
+              <a:solidFill>
+                <a:schemeClr val="tx2"/>
+              </a:solidFill>
+            </a:endParaRPr>
+          </a:p>
+        </p:txBody>
+      </p:sp>
+      <p:pic>
+        <p:nvPicPr>
+          <p:cNvPr id="37893" name="Picture 5"/>
+          <p:cNvPicPr>
+            <a:picLocks noChangeAspect="1" noChangeArrowheads="1"/>
+          </p:cNvPicPr>
+          <p:nvPr/>
+        </p:nvPicPr>
+        <p:blipFill>
+          <a:blip r:embed="rId2"/>
+          <a:srcRect/>
+          <a:stretch>
+            <a:fillRect/>
+          </a:stretch>
+        </p:blipFill>
+        <p:spPr bwMode="auto">
+          <a:xfrm>
+            <a:off x="2484438" y="1916113"/>
+            <a:ext cx="4467225" cy="4181475"/>
+          </a:xfrm>
+          <a:prstGeom prst="rect">
+            <a:avLst/>
+          </a:prstGeom>
+          <a:noFill/>
+          <a:ln w="9525">
+            <a:noFill/>
+            <a:miter lim="800000"/>
+            <a:headEnd/>
+            <a:tailEnd/>
+          </a:ln>
+          <a:effectLst/>
+        </p:spPr>
+      </p:pic>
+      <p:sp>
+        <p:nvSpPr>
+          <p:cNvPr id="37895" name="Text Box 7"/>
+          <p:cNvSpPr txBox="1">
+            <a:spLocks noChangeArrowheads="1"/>
+          </p:cNvSpPr>
+          <p:nvPr/>
+        </p:nvSpPr>
+        <p:spPr bwMode="auto">
+          <a:xfrm>
+            <a:off x="1763713" y="1268413"/>
+            <a:ext cx="5688012" cy="366712"/>
+          </a:xfrm>
+          <a:prstGeom prst="rect">
+            <a:avLst/>
+          </a:prstGeom>
+          <a:noFill/>
+          <a:ln w="9525">
+            <a:noFill/>
+            <a:miter lim="800000"/>
+            <a:headEnd/>
+            <a:tailEnd/>
+          </a:ln>
+          <a:effectLst/>
+        </p:spPr>
+        <p:txBody>
+          <a:bodyPr>
+            <a:spAutoFit/>
+          </a:bodyPr>
+          <a:lstStyle/>
+          <a:p>
+            <a:pPr>
+              <a:spcBef>
+                <a:spcPct val="50000"/>
+              </a:spcBef>
+            </a:pPr>
+            <a:r>
+              <a:rPr lang="es-ES" b="1">
+                <a:solidFill>
+                  <a:srgbClr val="8C2902"/>
+                </a:solidFill>
+              </a:rPr>
+              <a:t>Matriz de trazabilidad de Actores vs Casos de Uso</a:t>
+            </a:r>
+          </a:p>
+        </p:txBody>
+      </p:sp>
+    </p:spTree>
+  </p:cSld>
+  <p:clrMapOvr>
+    <a:masterClrMapping/>
+  </p:clrMapOvr>
+  <p:timing>
+    <p:tnLst>
+      <p:par>
+        <p:cTn id="1" dur="indefinite" restart="never" nodeType="tmRoot"/>
+      </p:par>
+    </p:tnLst>
+  </p:timing>
+</p:sld>
+</file>
+
+<file path=ppt/slides/slide4.xml><?xml version="1.0" encoding="utf-8"?>
+<p:sld xmlns:a="http://schemas.openxmlformats.org/drawingml/2006/main" xmlns:r="http://schemas.openxmlformats.org/officeDocument/2006/relationships" xmlns:p="http://schemas.openxmlformats.org/presentationml/2006/main">
+  <p:cSld>
+    <p:spTree>
+      <p:nvGrpSpPr>
+        <p:cNvPr id="1" name=""/>
+        <p:cNvGrpSpPr/>
+        <p:nvPr/>
+      </p:nvGrpSpPr>
+      <p:grpSpPr>
+        <a:xfrm>
+          <a:off x="0" y="0"/>
+          <a:ext cx="0" cy="0"/>
+          <a:chOff x="0" y="0"/>
+          <a:chExt cx="0" cy="0"/>
+        </a:xfrm>
+      </p:grpSpPr>
+      <p:sp>
+        <p:nvSpPr>
           <p:cNvPr id="16385" name="2 Título"/>
           <p:cNvSpPr>
             <a:spLocks noGrp="1"/>
@@ -17063,7 +17454,7 @@
 </p:sld>
 </file>
 
-<file path=ppt/slides/slide3.xml><?xml version="1.0" encoding="utf-8"?>
+<file path=ppt/slides/slide5.xml><?xml version="1.0" encoding="utf-8"?>
 <p:sld xmlns:a="http://schemas.openxmlformats.org/drawingml/2006/main" xmlns:r="http://schemas.openxmlformats.org/officeDocument/2006/relationships" xmlns:p="http://schemas.openxmlformats.org/presentationml/2006/main">
   <p:cSld>
     <p:spTree>
@@ -17161,7 +17552,7 @@
       </p:sp>
       <p:pic>
         <p:nvPicPr>
-          <p:cNvPr id="17415" name="Picture 7"/>
+          <p:cNvPr id="17411" name="Picture 7"/>
           <p:cNvPicPr>
             <a:picLocks noChangeAspect="1" noChangeArrowheads="1"/>
           </p:cNvPicPr>
@@ -17189,7 +17580,6 @@
             <a:headEnd/>
             <a:tailEnd/>
           </a:ln>
-          <a:effectLst/>
         </p:spPr>
       </p:pic>
     </p:spTree>
@@ -17207,7 +17597,7 @@
 </p:sld>
 </file>
 
-<file path=ppt/slides/slide4.xml><?xml version="1.0" encoding="utf-8"?>
+<file path=ppt/slides/slide6.xml><?xml version="1.0" encoding="utf-8"?>
 <p:sld xmlns:a="http://schemas.openxmlformats.org/drawingml/2006/main" xmlns:r="http://schemas.openxmlformats.org/officeDocument/2006/relationships" xmlns:p="http://schemas.openxmlformats.org/presentationml/2006/main">
   <p:cSld>
     <p:spTree>
@@ -17319,7 +17709,7 @@
 </p:sld>
 </file>
 
-<file path=ppt/slides/slide5.xml><?xml version="1.0" encoding="utf-8"?>
+<file path=ppt/slides/slide7.xml><?xml version="1.0" encoding="utf-8"?>
 <p:sld xmlns:a="http://schemas.openxmlformats.org/drawingml/2006/main" xmlns:r="http://schemas.openxmlformats.org/officeDocument/2006/relationships" xmlns:p="http://schemas.openxmlformats.org/presentationml/2006/main">
   <p:cSld>
     <p:spTree>
@@ -17521,7 +17911,7 @@
 </p:sld>
 </file>
 
-<file path=ppt/slides/slide6.xml><?xml version="1.0" encoding="utf-8"?>
+<file path=ppt/slides/slide8.xml><?xml version="1.0" encoding="utf-8"?>
 <p:sld xmlns:a="http://schemas.openxmlformats.org/drawingml/2006/main" xmlns:r="http://schemas.openxmlformats.org/officeDocument/2006/relationships" xmlns:p="http://schemas.openxmlformats.org/presentationml/2006/main">
   <p:cSld>
     <p:spTree>
@@ -17723,7 +18113,7 @@
 </p:sld>
 </file>
 
-<file path=ppt/slides/slide7.xml><?xml version="1.0" encoding="utf-8"?>
+<file path=ppt/slides/slide9.xml><?xml version="1.0" encoding="utf-8"?>
 <p:sld xmlns:a="http://schemas.openxmlformats.org/drawingml/2006/main" xmlns:r="http://schemas.openxmlformats.org/officeDocument/2006/relationships" xmlns:p="http://schemas.openxmlformats.org/presentationml/2006/main">
   <p:cSld>
     <p:spTree>
@@ -17910,183 +18300,6 @@
           </a:ln>
         </p:spPr>
       </p:pic>
-    </p:spTree>
-  </p:cSld>
-  <p:clrMapOvr>
-    <a:masterClrMapping/>
-  </p:clrMapOvr>
-  <p:timing>
-    <p:tnLst>
-      <p:par>
-        <p:cTn id="1" dur="indefinite" restart="never" nodeType="tmRoot"/>
-      </p:par>
-    </p:tnLst>
-  </p:timing>
-</p:sld>
-</file>
-
-<file path=ppt/slides/slide8.xml><?xml version="1.0" encoding="utf-8"?>
-<p:sld xmlns:a="http://schemas.openxmlformats.org/drawingml/2006/main" xmlns:r="http://schemas.openxmlformats.org/officeDocument/2006/relationships" xmlns:p="http://schemas.openxmlformats.org/presentationml/2006/main">
-  <p:cSld>
-    <p:spTree>
-      <p:nvGrpSpPr>
-        <p:cNvPr id="1" name=""/>
-        <p:cNvGrpSpPr/>
-        <p:nvPr/>
-      </p:nvGrpSpPr>
-      <p:grpSpPr>
-        <a:xfrm>
-          <a:off x="0" y="0"/>
-          <a:ext cx="0" cy="0"/>
-          <a:chOff x="0" y="0"/>
-          <a:chExt cx="0" cy="0"/>
-        </a:xfrm>
-      </p:grpSpPr>
-      <p:sp>
-        <p:nvSpPr>
-          <p:cNvPr id="22529" name="2 Título"/>
-          <p:cNvSpPr>
-            <a:spLocks noGrp="1"/>
-          </p:cNvSpPr>
-          <p:nvPr>
-            <p:ph type="title" idx="4294967295"/>
-          </p:nvPr>
-        </p:nvSpPr>
-        <p:spPr>
-          <a:xfrm>
-            <a:off x="468313" y="260350"/>
-            <a:ext cx="8229600" cy="936625"/>
-          </a:xfrm>
-        </p:spPr>
-        <p:txBody>
-          <a:bodyPr/>
-          <a:lstStyle/>
-          <a:p>
-            <a:pPr eaLnBrk="1" hangingPunct="1"/>
-            <a:r>
-              <a:rPr lang="en-US" b="1" smtClean="0">
-                <a:solidFill>
-                  <a:schemeClr val="tx2"/>
-                </a:solidFill>
-              </a:rPr>
-              <a:t>Modelo de datos</a:t>
-            </a:r>
-            <a:endParaRPr lang="es-PE" b="1" smtClean="0">
-              <a:solidFill>
-                <a:schemeClr val="tx2"/>
-              </a:solidFill>
-            </a:endParaRPr>
-          </a:p>
-        </p:txBody>
-      </p:sp>
-      <p:pic>
-        <p:nvPicPr>
-          <p:cNvPr id="22532" name="Picture 4"/>
-          <p:cNvPicPr>
-            <a:picLocks noChangeAspect="1" noChangeArrowheads="1"/>
-          </p:cNvPicPr>
-          <p:nvPr/>
-        </p:nvPicPr>
-        <p:blipFill>
-          <a:blip r:embed="rId2">
-            <a:clrChange>
-              <a:clrFrom>
-                <a:srgbClr val="FFFFFF"/>
-              </a:clrFrom>
-              <a:clrTo>
-                <a:srgbClr val="FFFFFF">
-                  <a:alpha val="0"/>
-                </a:srgbClr>
-              </a:clrTo>
-            </a:clrChange>
-          </a:blip>
-          <a:srcRect/>
-          <a:stretch>
-            <a:fillRect/>
-          </a:stretch>
-        </p:blipFill>
-        <p:spPr bwMode="auto">
-          <a:xfrm>
-            <a:off x="1547813" y="1035050"/>
-            <a:ext cx="6226175" cy="5822950"/>
-          </a:xfrm>
-          <a:prstGeom prst="rect">
-            <a:avLst/>
-          </a:prstGeom>
-          <a:noFill/>
-          <a:ln w="9525">
-            <a:noFill/>
-            <a:miter lim="800000"/>
-            <a:headEnd/>
-            <a:tailEnd/>
-          </a:ln>
-          <a:effectLst/>
-        </p:spPr>
-      </p:pic>
-    </p:spTree>
-  </p:cSld>
-  <p:clrMapOvr>
-    <a:masterClrMapping/>
-  </p:clrMapOvr>
-  <p:timing>
-    <p:tnLst>
-      <p:par>
-        <p:cTn id="1" dur="indefinite" restart="never" nodeType="tmRoot"/>
-      </p:par>
-    </p:tnLst>
-  </p:timing>
-</p:sld>
-</file>
-
-<file path=ppt/slides/slide9.xml><?xml version="1.0" encoding="utf-8"?>
-<p:sld xmlns:a="http://schemas.openxmlformats.org/drawingml/2006/main" xmlns:r="http://schemas.openxmlformats.org/officeDocument/2006/relationships" xmlns:p="http://schemas.openxmlformats.org/presentationml/2006/main">
-  <p:cSld>
-    <p:spTree>
-      <p:nvGrpSpPr>
-        <p:cNvPr id="1" name=""/>
-        <p:cNvGrpSpPr/>
-        <p:nvPr/>
-      </p:nvGrpSpPr>
-      <p:grpSpPr>
-        <a:xfrm>
-          <a:off x="0" y="0"/>
-          <a:ext cx="0" cy="0"/>
-          <a:chOff x="0" y="0"/>
-          <a:chExt cx="0" cy="0"/>
-        </a:xfrm>
-      </p:grpSpPr>
-      <p:sp>
-        <p:nvSpPr>
-          <p:cNvPr id="23553" name="2 Título"/>
-          <p:cNvSpPr>
-            <a:spLocks noGrp="1"/>
-          </p:cNvSpPr>
-          <p:nvPr>
-            <p:ph type="title" idx="4294967295"/>
-          </p:nvPr>
-        </p:nvSpPr>
-        <p:spPr>
-          <a:xfrm>
-            <a:off x="611188" y="2852738"/>
-            <a:ext cx="8229600" cy="1252537"/>
-          </a:xfrm>
-        </p:spPr>
-        <p:txBody>
-          <a:bodyPr/>
-          <a:lstStyle/>
-          <a:p>
-            <a:pPr eaLnBrk="1" hangingPunct="1"/>
-            <a:r>
-              <a:rPr lang="es-PE" b="1" smtClean="0">
-                <a:solidFill>
-                  <a:schemeClr val="tx2"/>
-                </a:solidFill>
-              </a:rPr>
-              <a:t>PATRONES DE DISEÑO</a:t>
-            </a:r>
-          </a:p>
-        </p:txBody>
-      </p:sp>
     </p:spTree>
   </p:cSld>
   <p:clrMapOvr>

--- a/ITERACION 5/SUBITERACION 2/PRESENTACION01/PPT TP3 PRES02.pptx
+++ b/ITERACION 5/SUBITERACION 2/PRESENTACION01/PPT TP3 PRES02.pptx
@@ -457,6 +457,11 @@
         </p:txBody>
       </p:sp>
     </p:spTree>
+    <p:extLst>
+      <p:ext uri="{BB962C8B-B14F-4D97-AF65-F5344CB8AC3E}">
+        <p14:creationId xmlns:p14="http://schemas.microsoft.com/office/powerpoint/2010/main" val="2176191600"/>
+      </p:ext>
+    </p:extLst>
   </p:cSld>
   <p:clrMap bg1="lt1" tx1="dk1" bg2="lt2" tx2="dk2" accent1="accent1" accent2="accent2" accent3="accent3" accent4="accent4" accent5="accent5" accent6="accent6" hlink="hlink" folHlink="folHlink"/>
   <p:notesStyle>
@@ -16211,7 +16216,7 @@
         </p:nvSpPr>
         <p:spPr>
           <a:xfrm>
-            <a:off x="611188" y="2852738"/>
+            <a:off x="467544" y="2852738"/>
             <a:ext cx="8229600" cy="1252537"/>
           </a:xfrm>
         </p:spPr>
@@ -16221,7 +16226,7 @@
           <a:p>
             <a:pPr eaLnBrk="1" hangingPunct="1"/>
             <a:r>
-              <a:rPr lang="es-PE" b="1" smtClean="0">
+              <a:rPr lang="es-PE" b="1" dirty="0" smtClean="0">
                 <a:solidFill>
                   <a:schemeClr val="tx2"/>
                 </a:solidFill>
@@ -16248,7 +16253,7 @@
         </p:blipFill>
         <p:spPr bwMode="auto">
           <a:xfrm>
-            <a:off x="3348038" y="4221163"/>
+            <a:off x="3203848" y="4221163"/>
             <a:ext cx="2790825" cy="1638300"/>
           </a:xfrm>
           <a:prstGeom prst="rect">
@@ -16305,7 +16310,7 @@
         </p:nvSpPr>
         <p:spPr bwMode="auto">
           <a:xfrm>
-            <a:off x="755650" y="765175"/>
+            <a:off x="755650" y="620688"/>
             <a:ext cx="7848600" cy="762000"/>
           </a:xfrm>
           <a:prstGeom prst="rect">
@@ -16331,7 +16336,7 @@
               </a:spcBef>
             </a:pPr>
             <a:r>
-              <a:rPr lang="es-ES" sz="4400" b="1">
+              <a:rPr lang="es-ES" sz="4400" b="1" dirty="0">
                 <a:solidFill>
                   <a:schemeClr val="tx2"/>
                 </a:solidFill>
@@ -16352,8 +16357,8 @@
         </p:nvSpPr>
         <p:spPr bwMode="auto">
           <a:xfrm>
-            <a:off x="611188" y="1844675"/>
-            <a:ext cx="8353425" cy="4241800"/>
+            <a:off x="323529" y="1844675"/>
+            <a:ext cx="8496944" cy="4241800"/>
           </a:xfrm>
           <a:prstGeom prst="rect">
             <a:avLst/>
@@ -16368,18 +16373,18 @@
           <a:effectLst/>
         </p:spPr>
         <p:txBody>
-          <a:bodyPr>
+          <a:bodyPr wrap="square">
             <a:spAutoFit/>
           </a:bodyPr>
           <a:lstStyle/>
           <a:p>
-            <a:pPr>
+            <a:pPr algn="just">
               <a:buFontTx/>
               <a:buChar char="•"/>
               <a:defRPr/>
             </a:pPr>
             <a:r>
-              <a:rPr lang="es-ES">
+              <a:rPr lang="es-ES" dirty="0">
                 <a:solidFill>
                   <a:schemeClr val="tx2"/>
                 </a:solidFill>
@@ -16387,7 +16392,7 @@
               <a:t>Dividir la lógica de negocio del diseño, haciendo tu proyecto más </a:t>
             </a:r>
             <a:r>
-              <a:rPr lang="es-ES" sz="2000" b="1" u="sng">
+              <a:rPr lang="es-ES" sz="2000" b="1" u="sng" dirty="0">
                 <a:solidFill>
                   <a:srgbClr val="8C2902"/>
                 </a:solidFill>
@@ -16395,7 +16400,7 @@
               <a:t>escalable</a:t>
             </a:r>
             <a:r>
-              <a:rPr lang="es-ES">
+              <a:rPr lang="es-ES" dirty="0">
                 <a:solidFill>
                   <a:schemeClr val="tx2"/>
                 </a:solidFill>
@@ -16404,13 +16409,13 @@
             </a:r>
           </a:p>
           <a:p>
-            <a:pPr>
+            <a:pPr algn="just">
               <a:buFontTx/>
               <a:buChar char="•"/>
               <a:defRPr/>
             </a:pPr>
             <a:r>
-              <a:rPr lang="es-ES">
+              <a:rPr lang="es-ES" dirty="0">
                 <a:solidFill>
                   <a:schemeClr val="tx2"/>
                 </a:solidFill>
@@ -16418,7 +16423,7 @@
               <a:t>Facilita el </a:t>
             </a:r>
             <a:r>
-              <a:rPr lang="es-ES" u="sng">
+              <a:rPr lang="es-ES" u="sng" dirty="0">
                 <a:solidFill>
                   <a:srgbClr val="8C2902"/>
                 </a:solidFill>
@@ -16431,7 +16436,7 @@
               <a:t>uso de URL amigables</a:t>
             </a:r>
             <a:r>
-              <a:rPr lang="es-ES">
+              <a:rPr lang="es-ES" dirty="0">
                 <a:solidFill>
                   <a:schemeClr val="tx2"/>
                 </a:solidFill>
@@ -16440,21 +16445,37 @@
             </a:r>
           </a:p>
           <a:p>
-            <a:pPr>
+            <a:pPr algn="just">
               <a:buFontTx/>
               <a:buChar char="•"/>
               <a:defRPr/>
             </a:pPr>
             <a:r>
-              <a:rPr lang="es-ES">
+              <a:rPr lang="es-ES" dirty="0">
                 <a:solidFill>
                   <a:schemeClr val="tx2"/>
                 </a:solidFill>
               </a:rPr>
-              <a:t>Muchos frameworks MVC </a:t>
+              <a:t>Muchos </a:t>
             </a:r>
             <a:r>
-              <a:rPr lang="es-ES" u="sng">
+              <a:rPr lang="es-ES" dirty="0" err="1">
+                <a:solidFill>
+                  <a:schemeClr val="tx2"/>
+                </a:solidFill>
+              </a:rPr>
+              <a:t>frameworks</a:t>
+            </a:r>
+            <a:r>
+              <a:rPr lang="es-ES" dirty="0">
+                <a:solidFill>
+                  <a:schemeClr val="tx2"/>
+                </a:solidFill>
+              </a:rPr>
+              <a:t> MVC </a:t>
+            </a:r>
+            <a:r>
+              <a:rPr lang="es-ES" u="sng" dirty="0">
                 <a:solidFill>
                   <a:srgbClr val="8C2902"/>
                 </a:solidFill>
@@ -16464,10 +16485,49 @@
                   </a:outerShdw>
                 </a:effectLst>
               </a:rPr>
-              <a:t>ya incluyen librerías de Javascript como Jquery</a:t>
+              <a:t>ya incluyen librerías de </a:t>
             </a:r>
             <a:r>
-              <a:rPr lang="es-ES">
+              <a:rPr lang="es-ES" u="sng" dirty="0" err="1">
+                <a:solidFill>
+                  <a:srgbClr val="8C2902"/>
+                </a:solidFill>
+                <a:effectLst>
+                  <a:outerShdw blurRad="38100" dist="38100" dir="2700000" algn="tl">
+                    <a:srgbClr val="C0C0C0"/>
+                  </a:outerShdw>
+                </a:effectLst>
+              </a:rPr>
+              <a:t>Javascript</a:t>
+            </a:r>
+            <a:r>
+              <a:rPr lang="es-ES" u="sng" dirty="0">
+                <a:solidFill>
+                  <a:srgbClr val="8C2902"/>
+                </a:solidFill>
+                <a:effectLst>
+                  <a:outerShdw blurRad="38100" dist="38100" dir="2700000" algn="tl">
+                    <a:srgbClr val="C0C0C0"/>
+                  </a:outerShdw>
+                </a:effectLst>
+              </a:rPr>
+              <a:t> como </a:t>
+            </a:r>
+            <a:r>
+              <a:rPr lang="es-ES" u="sng" dirty="0" err="1">
+                <a:solidFill>
+                  <a:srgbClr val="8C2902"/>
+                </a:solidFill>
+                <a:effectLst>
+                  <a:outerShdw blurRad="38100" dist="38100" dir="2700000" algn="tl">
+                    <a:srgbClr val="C0C0C0"/>
+                  </a:outerShdw>
+                </a:effectLst>
+              </a:rPr>
+              <a:t>Jquery</a:t>
+            </a:r>
+            <a:r>
+              <a:rPr lang="es-ES" dirty="0">
                 <a:solidFill>
                   <a:schemeClr val="tx2"/>
                 </a:solidFill>
@@ -16476,13 +16536,13 @@
             </a:r>
           </a:p>
           <a:p>
-            <a:pPr>
+            <a:pPr algn="just">
               <a:buFontTx/>
               <a:buChar char="•"/>
               <a:defRPr/>
             </a:pPr>
             <a:r>
-              <a:rPr lang="es-ES" b="1" u="sng">
+              <a:rPr lang="es-ES" b="1" u="sng" dirty="0">
                 <a:solidFill>
                   <a:srgbClr val="8C2902"/>
                 </a:solidFill>
@@ -16490,23 +16550,95 @@
               <a:t>Abstracción de datos</a:t>
             </a:r>
             <a:r>
-              <a:rPr lang="es-ES">
+              <a:rPr lang="es-ES" dirty="0">
                 <a:solidFill>
                   <a:schemeClr val="tx2"/>
                 </a:solidFill>
               </a:rPr>
-              <a:t>, como lo hace Ruby on Rails o con frameworks como </a:t>
+              <a:t>, como lo hace Ruby </a:t>
             </a:r>
             <a:r>
-              <a:rPr lang="es-ES" b="1">
+              <a:rPr lang="es-ES" dirty="0" err="1">
                 <a:solidFill>
                   <a:schemeClr val="tx2"/>
                 </a:solidFill>
               </a:rPr>
-              <a:t>Hibernate para Java o NHibernate para ASP .NET MVC</a:t>
+              <a:t>on</a:t>
             </a:r>
             <a:r>
-              <a:rPr lang="es-ES">
+              <a:rPr lang="es-ES" dirty="0">
+                <a:solidFill>
+                  <a:schemeClr val="tx2"/>
+                </a:solidFill>
+              </a:rPr>
+              <a:t> </a:t>
+            </a:r>
+            <a:r>
+              <a:rPr lang="es-ES" dirty="0" err="1">
+                <a:solidFill>
+                  <a:schemeClr val="tx2"/>
+                </a:solidFill>
+              </a:rPr>
+              <a:t>Rails</a:t>
+            </a:r>
+            <a:r>
+              <a:rPr lang="es-ES" dirty="0">
+                <a:solidFill>
+                  <a:schemeClr val="tx2"/>
+                </a:solidFill>
+              </a:rPr>
+              <a:t> o con </a:t>
+            </a:r>
+            <a:r>
+              <a:rPr lang="es-ES" dirty="0" err="1">
+                <a:solidFill>
+                  <a:schemeClr val="tx2"/>
+                </a:solidFill>
+              </a:rPr>
+              <a:t>frameworks</a:t>
+            </a:r>
+            <a:r>
+              <a:rPr lang="es-ES" dirty="0">
+                <a:solidFill>
+                  <a:schemeClr val="tx2"/>
+                </a:solidFill>
+              </a:rPr>
+              <a:t> como </a:t>
+            </a:r>
+            <a:r>
+              <a:rPr lang="es-ES" b="1" dirty="0" err="1">
+                <a:solidFill>
+                  <a:schemeClr val="tx2"/>
+                </a:solidFill>
+              </a:rPr>
+              <a:t>Hibernate</a:t>
+            </a:r>
+            <a:r>
+              <a:rPr lang="es-ES" b="1" dirty="0">
+                <a:solidFill>
+                  <a:schemeClr val="tx2"/>
+                </a:solidFill>
+              </a:rPr>
+              <a:t> para Java o </a:t>
+            </a:r>
+            <a:r>
+              <a:rPr lang="es-ES" b="1" dirty="0" err="1">
+                <a:solidFill>
+                  <a:schemeClr val="tx2"/>
+                </a:solidFill>
+              </a:rPr>
+              <a:t>NHibernate</a:t>
+            </a:r>
+            <a:r>
+              <a:rPr lang="es-ES" b="1" dirty="0">
+                <a:solidFill>
+                  <a:schemeClr val="tx2"/>
+                </a:solidFill>
+              </a:rPr>
+              <a:t> para ASP .NET MVC</a:t>
+            </a:r>
+            <a:r>
+              <a:rPr lang="es-ES" dirty="0">
                 <a:solidFill>
                   <a:schemeClr val="tx2"/>
                 </a:solidFill>
@@ -16514,7 +16646,7 @@
               <a:t>, </a:t>
             </a:r>
             <a:r>
-              <a:rPr lang="es-ES" b="1" u="sng">
+              <a:rPr lang="es-ES" b="1" u="sng" dirty="0">
                 <a:solidFill>
                   <a:srgbClr val="8C2902"/>
                 </a:solidFill>
@@ -16522,7 +16654,7 @@
               <a:t>facilitando la realización de consultas a la base de datos</a:t>
             </a:r>
             <a:r>
-              <a:rPr lang="es-ES">
+              <a:rPr lang="es-ES" dirty="0">
                 <a:solidFill>
                   <a:schemeClr val="tx2"/>
                 </a:solidFill>
@@ -16531,13 +16663,13 @@
             </a:r>
           </a:p>
           <a:p>
-            <a:pPr>
+            <a:pPr algn="just">
               <a:buFontTx/>
               <a:buChar char="•"/>
               <a:defRPr/>
             </a:pPr>
             <a:r>
-              <a:rPr lang="es-ES">
+              <a:rPr lang="es-ES" dirty="0">
                 <a:solidFill>
                   <a:schemeClr val="tx2"/>
                 </a:solidFill>
@@ -16545,7 +16677,7 @@
               <a:t>En el caso de proyectos donde hay varios desarrolladores, el seguir métodos comunes de programación, </a:t>
             </a:r>
             <a:r>
-              <a:rPr lang="es-ES" b="1" u="sng">
+              <a:rPr lang="es-ES" b="1" u="sng" dirty="0">
                 <a:solidFill>
                   <a:srgbClr val="8C2902"/>
                 </a:solidFill>
@@ -16553,7 +16685,7 @@
               <a:t>hace que el código sea más entendible entre estos</a:t>
             </a:r>
             <a:r>
-              <a:rPr lang="es-ES">
+              <a:rPr lang="es-ES" dirty="0">
                 <a:solidFill>
                   <a:schemeClr val="tx2"/>
                 </a:solidFill>
@@ -16561,7 +16693,7 @@
               <a:t>, pudiendo uno continuar el trabajo de otro. En estos casos es conveniente utilizar herramientas de control de versiones como </a:t>
             </a:r>
             <a:r>
-              <a:rPr lang="es-ES" b="1">
+              <a:rPr lang="es-ES" b="1" dirty="0" err="1">
                 <a:solidFill>
                   <a:schemeClr val="tx2"/>
                 </a:solidFill>
@@ -16569,7 +16701,7 @@
               <a:t>Subversion</a:t>
             </a:r>
             <a:r>
-              <a:rPr lang="es-ES">
+              <a:rPr lang="es-ES" dirty="0">
                 <a:solidFill>
                   <a:schemeClr val="tx2"/>
                 </a:solidFill>
@@ -16578,13 +16710,13 @@
             </a:r>
           </a:p>
           <a:p>
-            <a:pPr>
+            <a:pPr algn="just">
               <a:buFontTx/>
               <a:buChar char="•"/>
               <a:defRPr/>
             </a:pPr>
             <a:r>
-              <a:rPr lang="es-ES">
+              <a:rPr lang="es-ES" dirty="0">
                 <a:solidFill>
                   <a:schemeClr val="tx2"/>
                 </a:solidFill>
@@ -16592,7 +16724,7 @@
               <a:t>Un Framework MVC te </a:t>
             </a:r>
             <a:r>
-              <a:rPr lang="es-ES" b="1" u="sng">
+              <a:rPr lang="es-ES" b="1" u="sng" dirty="0">
                 <a:solidFill>
                   <a:srgbClr val="8C2902"/>
                 </a:solidFill>
@@ -16605,7 +16737,7 @@
               <a:t>ayuda a controlar los recursos del servidor</a:t>
             </a:r>
             <a:r>
-              <a:rPr lang="es-ES">
+              <a:rPr lang="es-ES" dirty="0">
                 <a:solidFill>
                   <a:schemeClr val="tx2"/>
                 </a:solidFill>
@@ -16613,7 +16745,7 @@
               <a:t>, evitando </a:t>
             </a:r>
             <a:r>
-              <a:rPr lang="es-ES" b="1">
+              <a:rPr lang="es-ES" b="1" dirty="0">
                 <a:solidFill>
                   <a:schemeClr val="tx2"/>
                 </a:solidFill>
@@ -16621,7 +16753,7 @@
               <a:t>Bugs</a:t>
             </a:r>
             <a:r>
-              <a:rPr lang="es-ES">
+              <a:rPr lang="es-ES" dirty="0">
                 <a:solidFill>
                   <a:schemeClr val="tx2"/>
                 </a:solidFill>
@@ -16673,7 +16805,7 @@
         </p:nvSpPr>
         <p:spPr bwMode="auto">
           <a:xfrm>
-            <a:off x="755650" y="765175"/>
+            <a:off x="755650" y="620688"/>
             <a:ext cx="7848600" cy="762000"/>
           </a:xfrm>
           <a:prstGeom prst="rect">
@@ -16699,7 +16831,7 @@
               </a:spcBef>
             </a:pPr>
             <a:r>
-              <a:rPr lang="es-ES" sz="4400" b="1">
+              <a:rPr lang="es-ES" sz="4400" b="1" dirty="0">
                 <a:solidFill>
                   <a:schemeClr val="tx2"/>
                 </a:solidFill>
@@ -16797,7 +16929,7 @@
         </p:nvSpPr>
         <p:spPr bwMode="auto">
           <a:xfrm>
-            <a:off x="755650" y="765175"/>
+            <a:off x="755650" y="620688"/>
             <a:ext cx="7848600" cy="762000"/>
           </a:xfrm>
           <a:prstGeom prst="rect">
@@ -16823,7 +16955,7 @@
               </a:spcBef>
             </a:pPr>
             <a:r>
-              <a:rPr lang="es-ES" sz="4400" b="1">
+              <a:rPr lang="es-ES" sz="4400" b="1" dirty="0">
                 <a:solidFill>
                   <a:schemeClr val="tx2"/>
                 </a:solidFill>
@@ -16862,7 +16994,7 @@
         </p:blipFill>
         <p:spPr bwMode="auto">
           <a:xfrm>
-            <a:off x="1979613" y="1916113"/>
+            <a:off x="1979613" y="2192486"/>
             <a:ext cx="4968875" cy="4260850"/>
           </a:xfrm>
           <a:prstGeom prst="rect">
@@ -16919,7 +17051,7 @@
         </p:nvSpPr>
         <p:spPr bwMode="auto">
           <a:xfrm>
-            <a:off x="755650" y="765175"/>
+            <a:off x="755650" y="620688"/>
             <a:ext cx="7848600" cy="762000"/>
           </a:xfrm>
           <a:prstGeom prst="rect">
@@ -16945,7 +17077,7 @@
               </a:spcBef>
             </a:pPr>
             <a:r>
-              <a:rPr lang="es-ES" sz="4400" b="1">
+              <a:rPr lang="es-ES" sz="4400" b="1" dirty="0">
                 <a:solidFill>
                   <a:schemeClr val="tx2"/>
                 </a:solidFill>
@@ -17270,7 +17402,7 @@
         </p:nvSpPr>
         <p:spPr>
           <a:xfrm>
-            <a:off x="468313" y="260350"/>
+            <a:off x="468313" y="404143"/>
             <a:ext cx="8229600" cy="936625"/>
           </a:xfrm>
         </p:spPr>
@@ -17280,14 +17412,46 @@
           <a:p>
             <a:pPr eaLnBrk="1" hangingPunct="1"/>
             <a:r>
-              <a:rPr lang="en-US" b="1" smtClean="0">
+              <a:rPr lang="en-US" b="1" dirty="0" err="1" smtClean="0">
                 <a:solidFill>
                   <a:schemeClr val="tx2"/>
                 </a:solidFill>
               </a:rPr>
-              <a:t>Diagrama de Casos de uso</a:t>
+              <a:t>Diagrama</a:t>
             </a:r>
-            <a:endParaRPr lang="es-PE" b="1" smtClean="0">
+            <a:r>
+              <a:rPr lang="en-US" b="1" dirty="0" smtClean="0">
+                <a:solidFill>
+                  <a:schemeClr val="tx2"/>
+                </a:solidFill>
+              </a:rPr>
+              <a:t> de </a:t>
+            </a:r>
+            <a:r>
+              <a:rPr lang="en-US" b="1" dirty="0" err="1" smtClean="0">
+                <a:solidFill>
+                  <a:schemeClr val="tx2"/>
+                </a:solidFill>
+              </a:rPr>
+              <a:t>Casos</a:t>
+            </a:r>
+            <a:r>
+              <a:rPr lang="en-US" b="1" dirty="0" smtClean="0">
+                <a:solidFill>
+                  <a:schemeClr val="tx2"/>
+                </a:solidFill>
+              </a:rPr>
+              <a:t> de </a:t>
+            </a:r>
+            <a:r>
+              <a:rPr lang="en-US" b="1" dirty="0" err="1" smtClean="0">
+                <a:solidFill>
+                  <a:schemeClr val="tx2"/>
+                </a:solidFill>
+              </a:rPr>
+              <a:t>uso</a:t>
+            </a:r>
+            <a:endParaRPr lang="es-PE" b="1" dirty="0" smtClean="0">
               <a:solidFill>
                 <a:schemeClr val="tx2"/>
               </a:solidFill>
@@ -17312,7 +17476,7 @@
         </p:blipFill>
         <p:spPr bwMode="auto">
           <a:xfrm>
-            <a:off x="2484438" y="1916113"/>
+            <a:off x="2484438" y="2055837"/>
             <a:ext cx="4467225" cy="4181475"/>
           </a:xfrm>
           <a:prstGeom prst="rect">
@@ -17338,7 +17502,7 @@
         </p:nvSpPr>
         <p:spPr bwMode="auto">
           <a:xfrm>
-            <a:off x="1763713" y="1268413"/>
+            <a:off x="1763713" y="1334096"/>
             <a:ext cx="5688012" cy="366712"/>
           </a:xfrm>
           <a:prstGeom prst="rect">
@@ -17365,7 +17529,7 @@
               </a:spcBef>
             </a:pPr>
             <a:r>
-              <a:rPr lang="es-ES" b="1">
+              <a:rPr lang="es-ES" b="1" dirty="0">
                 <a:solidFill>
                   <a:srgbClr val="8C2902"/>
                 </a:solidFill>
@@ -17483,7 +17647,7 @@
         </p:nvSpPr>
         <p:spPr>
           <a:xfrm>
-            <a:off x="468313" y="260350"/>
+            <a:off x="468313" y="404143"/>
             <a:ext cx="8229600" cy="936625"/>
           </a:xfrm>
         </p:spPr>
@@ -17493,14 +17657,46 @@
           <a:p>
             <a:pPr eaLnBrk="1" hangingPunct="1"/>
             <a:r>
-              <a:rPr lang="en-US" b="1" smtClean="0">
+              <a:rPr lang="en-US" b="1" dirty="0" err="1" smtClean="0">
                 <a:solidFill>
                   <a:schemeClr val="tx2"/>
                 </a:solidFill>
               </a:rPr>
-              <a:t>Diagrama de Casos de uso</a:t>
+              <a:t>Diagrama</a:t>
             </a:r>
-            <a:endParaRPr lang="es-PE" b="1" smtClean="0">
+            <a:r>
+              <a:rPr lang="en-US" b="1" dirty="0" smtClean="0">
+                <a:solidFill>
+                  <a:schemeClr val="tx2"/>
+                </a:solidFill>
+              </a:rPr>
+              <a:t> de </a:t>
+            </a:r>
+            <a:r>
+              <a:rPr lang="en-US" b="1" dirty="0" err="1" smtClean="0">
+                <a:solidFill>
+                  <a:schemeClr val="tx2"/>
+                </a:solidFill>
+              </a:rPr>
+              <a:t>Casos</a:t>
+            </a:r>
+            <a:r>
+              <a:rPr lang="en-US" b="1" dirty="0" smtClean="0">
+                <a:solidFill>
+                  <a:schemeClr val="tx2"/>
+                </a:solidFill>
+              </a:rPr>
+              <a:t> de </a:t>
+            </a:r>
+            <a:r>
+              <a:rPr lang="en-US" b="1" dirty="0" err="1" smtClean="0">
+                <a:solidFill>
+                  <a:schemeClr val="tx2"/>
+                </a:solidFill>
+              </a:rPr>
+              <a:t>uso</a:t>
+            </a:r>
+            <a:endParaRPr lang="es-PE" b="1" dirty="0" smtClean="0">
               <a:solidFill>
                 <a:schemeClr val="tx2"/>
               </a:solidFill>
@@ -17567,7 +17763,7 @@
         </p:blipFill>
         <p:spPr bwMode="auto">
           <a:xfrm>
-            <a:off x="34925" y="1851025"/>
+            <a:off x="179263" y="2210717"/>
             <a:ext cx="8785225" cy="3738563"/>
           </a:xfrm>
           <a:prstGeom prst="rect">
@@ -17636,14 +17832,14 @@
           <a:p>
             <a:pPr eaLnBrk="1" hangingPunct="1"/>
             <a:r>
-              <a:rPr lang="en-US" b="1" smtClean="0">
+              <a:rPr lang="en-US" b="1" dirty="0" smtClean="0">
                 <a:solidFill>
                   <a:schemeClr val="tx2"/>
                 </a:solidFill>
               </a:rPr>
               <a:t>CAPAS DE LA ARQUITECTURA</a:t>
             </a:r>
-            <a:endParaRPr lang="es-PE" b="1" smtClean="0">
+            <a:endParaRPr lang="es-PE" b="1" dirty="0" smtClean="0">
               <a:solidFill>
                 <a:schemeClr val="tx2"/>
               </a:solidFill>
@@ -17679,7 +17875,7 @@
         </p:blipFill>
         <p:spPr bwMode="auto">
           <a:xfrm>
-            <a:off x="3635375" y="3357563"/>
+            <a:off x="3563888" y="3371552"/>
             <a:ext cx="2049463" cy="3225800"/>
           </a:xfrm>
           <a:prstGeom prst="rect">
@@ -17738,7 +17934,7 @@
         </p:nvSpPr>
         <p:spPr>
           <a:xfrm>
-            <a:off x="468313" y="260350"/>
+            <a:off x="468313" y="476151"/>
             <a:ext cx="8229600" cy="936625"/>
           </a:xfrm>
         </p:spPr>
@@ -17748,14 +17944,30 @@
           <a:p>
             <a:pPr eaLnBrk="1" hangingPunct="1"/>
             <a:r>
-              <a:rPr lang="en-US" b="1" smtClean="0">
+              <a:rPr lang="en-US" b="1" dirty="0" err="1" smtClean="0">
                 <a:solidFill>
                   <a:schemeClr val="tx2"/>
                 </a:solidFill>
               </a:rPr>
-              <a:t>Capa de Presentación</a:t>
+              <a:t>Capa</a:t>
             </a:r>
-            <a:endParaRPr lang="es-PE" b="1" smtClean="0">
+            <a:r>
+              <a:rPr lang="en-US" b="1" dirty="0" smtClean="0">
+                <a:solidFill>
+                  <a:schemeClr val="tx2"/>
+                </a:solidFill>
+              </a:rPr>
+              <a:t> de </a:t>
+            </a:r>
+            <a:r>
+              <a:rPr lang="en-US" b="1" dirty="0" err="1" smtClean="0">
+                <a:solidFill>
+                  <a:schemeClr val="tx2"/>
+                </a:solidFill>
+              </a:rPr>
+              <a:t>Presentación</a:t>
+            </a:r>
+            <a:endParaRPr lang="es-PE" b="1" dirty="0" smtClean="0">
               <a:solidFill>
                 <a:schemeClr val="tx2"/>
               </a:solidFill>
@@ -17773,8 +17985,8 @@
         </p:nvSpPr>
         <p:spPr bwMode="auto">
           <a:xfrm>
-            <a:off x="684213" y="2143125"/>
-            <a:ext cx="7704137" cy="3662363"/>
+            <a:off x="323528" y="2143125"/>
+            <a:ext cx="8496943" cy="3416320"/>
           </a:xfrm>
           <a:prstGeom prst="rect">
             <a:avLst/>
@@ -17788,75 +18000,124 @@
           </a:ln>
         </p:spPr>
         <p:txBody>
-          <a:bodyPr>
+          <a:bodyPr wrap="square">
             <a:spAutoFit/>
           </a:bodyPr>
           <a:lstStyle/>
           <a:p>
-            <a:pPr lvl="1"/>
             <a:r>
-              <a:rPr lang="es-PE" b="1">
+              <a:rPr lang="es-PE" b="1" dirty="0">
                 <a:solidFill>
                   <a:srgbClr val="8C2902"/>
                 </a:solidFill>
               </a:rPr>
-              <a:t>UI Components</a:t>
+              <a:t>UI </a:t>
             </a:r>
-            <a:endParaRPr lang="es-PE">
+            <a:r>
+              <a:rPr lang="es-PE" b="1" dirty="0" err="1">
+                <a:solidFill>
+                  <a:srgbClr val="8C2902"/>
+                </a:solidFill>
+              </a:rPr>
+              <a:t>Components</a:t>
+            </a:r>
+            <a:endParaRPr lang="es-PE" dirty="0">
               <a:solidFill>
                 <a:srgbClr val="8C2902"/>
               </a:solidFill>
             </a:endParaRPr>
           </a:p>
           <a:p>
+            <a:pPr algn="just"/>
             <a:r>
-              <a:rPr lang="es-PE">
+              <a:rPr lang="es-PE" dirty="0">
                 <a:solidFill>
                   <a:schemeClr val="tx2"/>
                 </a:solidFill>
               </a:rPr>
-              <a:t>La solución provee interfaces de usuario Webform mediante páginas ASP.NET en los que se incluye controles y otro tipo de tecnologías que permiten procesar y dar formato a los datos presentados a los usuarios, así como adquirir y validar los datos entrantes.</a:t>
+              <a:t>La solución provee interfaces de usuario </a:t>
             </a:r>
-            <a:endParaRPr lang="es-PE" b="1">
+            <a:r>
+              <a:rPr lang="es-PE" dirty="0" err="1">
+                <a:solidFill>
+                  <a:schemeClr val="tx2"/>
+                </a:solidFill>
+              </a:rPr>
+              <a:t>Webform</a:t>
+            </a:r>
+            <a:r>
+              <a:rPr lang="es-PE" dirty="0">
+                <a:solidFill>
+                  <a:schemeClr val="tx2"/>
+                </a:solidFill>
+              </a:rPr>
+              <a:t> mediante páginas ASP.NET en los que se incluye controles y otro tipo de tecnologías que permiten procesar y dar formato a los datos presentados a los usuarios, así como adquirir y validar los datos entrantes.</a:t>
+            </a:r>
+            <a:endParaRPr lang="es-PE" b="1" dirty="0">
               <a:solidFill>
                 <a:schemeClr val="tx2"/>
               </a:solidFill>
             </a:endParaRPr>
           </a:p>
           <a:p>
-            <a:pPr lvl="1"/>
-            <a:endParaRPr lang="es-PE" b="1">
+            <a:pPr lvl="1" algn="just"/>
+            <a:endParaRPr lang="es-PE" b="1" dirty="0">
               <a:solidFill>
                 <a:schemeClr val="tx2"/>
               </a:solidFill>
             </a:endParaRPr>
           </a:p>
           <a:p>
-            <a:pPr lvl="1"/>
+            <a:pPr algn="just"/>
             <a:r>
-              <a:rPr lang="es-PE" b="1">
+              <a:rPr lang="es-PE" b="1" dirty="0">
                 <a:solidFill>
                   <a:srgbClr val="8C2902"/>
                 </a:solidFill>
               </a:rPr>
-              <a:t>UI Process Components</a:t>
+              <a:t>UI </a:t>
             </a:r>
-            <a:endParaRPr lang="es-PE">
+            <a:r>
+              <a:rPr lang="es-PE" b="1" dirty="0" err="1">
+                <a:solidFill>
+                  <a:srgbClr val="8C2902"/>
+                </a:solidFill>
+              </a:rPr>
+              <a:t>Process</a:t>
+            </a:r>
+            <a:r>
+              <a:rPr lang="es-PE" b="1" dirty="0">
+                <a:solidFill>
+                  <a:srgbClr val="8C2902"/>
+                </a:solidFill>
+              </a:rPr>
+              <a:t> </a:t>
+            </a:r>
+            <a:r>
+              <a:rPr lang="es-PE" b="1" dirty="0" err="1">
+                <a:solidFill>
+                  <a:srgbClr val="8C2902"/>
+                </a:solidFill>
+              </a:rPr>
+              <a:t>Components</a:t>
+            </a:r>
+            <a:endParaRPr lang="es-PE" dirty="0">
               <a:solidFill>
                 <a:srgbClr val="8C2902"/>
               </a:solidFill>
             </a:endParaRPr>
           </a:p>
           <a:p>
+            <a:pPr algn="just"/>
             <a:r>
-              <a:rPr lang="es-PE">
+              <a:rPr lang="es-PE" dirty="0">
                 <a:solidFill>
                   <a:schemeClr val="tx2"/>
                 </a:solidFill>
               </a:rPr>
               <a:t>Facilita la sincronización y organización de las interactuaciones con el usuario, utilizando componentes de proceso de usuario individuales. De este modo, el flujo del proceso y la lógica de administración de estado no se incluyen en el código de los elementos de la interfaz de usuario, por lo que varias interfaces podrán utilizar el mismo "motor" de inter-actuación básica.</a:t>
             </a:r>
-            <a:endParaRPr lang="es-ES">
+            <a:endParaRPr lang="es-ES" dirty="0">
               <a:solidFill>
                 <a:schemeClr val="tx2"/>
               </a:solidFill>
@@ -17940,7 +18201,7 @@
         </p:nvSpPr>
         <p:spPr>
           <a:xfrm>
-            <a:off x="468313" y="260350"/>
+            <a:off x="468313" y="476151"/>
             <a:ext cx="8229600" cy="936625"/>
           </a:xfrm>
         </p:spPr>
@@ -17950,14 +18211,46 @@
           <a:p>
             <a:pPr eaLnBrk="1" hangingPunct="1"/>
             <a:r>
-              <a:rPr lang="en-US" b="1" smtClean="0">
+              <a:rPr lang="en-US" b="1" dirty="0" err="1" smtClean="0">
                 <a:solidFill>
                   <a:schemeClr val="tx2"/>
                 </a:solidFill>
               </a:rPr>
-              <a:t>Capa de Lógica de negocio</a:t>
+              <a:t>Capa</a:t>
             </a:r>
-            <a:endParaRPr lang="es-PE" b="1" smtClean="0">
+            <a:r>
+              <a:rPr lang="en-US" b="1" dirty="0" smtClean="0">
+                <a:solidFill>
+                  <a:schemeClr val="tx2"/>
+                </a:solidFill>
+              </a:rPr>
+              <a:t> de </a:t>
+            </a:r>
+            <a:r>
+              <a:rPr lang="en-US" b="1" dirty="0" err="1" smtClean="0">
+                <a:solidFill>
+                  <a:schemeClr val="tx2"/>
+                </a:solidFill>
+              </a:rPr>
+              <a:t>Lógica</a:t>
+            </a:r>
+            <a:r>
+              <a:rPr lang="en-US" b="1" dirty="0" smtClean="0">
+                <a:solidFill>
+                  <a:schemeClr val="tx2"/>
+                </a:solidFill>
+              </a:rPr>
+              <a:t> de </a:t>
+            </a:r>
+            <a:r>
+              <a:rPr lang="en-US" b="1" dirty="0" err="1" smtClean="0">
+                <a:solidFill>
+                  <a:schemeClr val="tx2"/>
+                </a:solidFill>
+              </a:rPr>
+              <a:t>negocio</a:t>
+            </a:r>
+            <a:endParaRPr lang="es-PE" b="1" dirty="0" smtClean="0">
               <a:solidFill>
                 <a:schemeClr val="tx2"/>
               </a:solidFill>
@@ -17975,8 +18268,8 @@
         </p:nvSpPr>
         <p:spPr bwMode="auto">
           <a:xfrm>
-            <a:off x="827088" y="2133600"/>
-            <a:ext cx="7561262" cy="2014538"/>
+            <a:off x="323528" y="2278558"/>
+            <a:ext cx="8496944" cy="2014538"/>
           </a:xfrm>
           <a:prstGeom prst="rect">
             <a:avLst/>
@@ -17990,75 +18283,93 @@
           </a:ln>
         </p:spPr>
         <p:txBody>
-          <a:bodyPr>
+          <a:bodyPr wrap="square">
             <a:spAutoFit/>
           </a:bodyPr>
           <a:lstStyle/>
           <a:p>
-            <a:pPr lvl="1"/>
+            <a:pPr algn="just"/>
             <a:r>
-              <a:rPr lang="es-PE" b="1">
+              <a:rPr lang="es-PE" b="1" dirty="0">
                 <a:solidFill>
                   <a:srgbClr val="8C2902"/>
                 </a:solidFill>
               </a:rPr>
-              <a:t>Business Components</a:t>
+              <a:t>Business </a:t>
             </a:r>
-            <a:endParaRPr lang="es-PE">
+            <a:r>
+              <a:rPr lang="es-PE" b="1" dirty="0" err="1">
+                <a:solidFill>
+                  <a:srgbClr val="8C2902"/>
+                </a:solidFill>
+              </a:rPr>
+              <a:t>Components</a:t>
+            </a:r>
+            <a:endParaRPr lang="es-PE" dirty="0">
               <a:solidFill>
                 <a:srgbClr val="8C2902"/>
               </a:solidFill>
             </a:endParaRPr>
           </a:p>
           <a:p>
+            <a:pPr algn="just"/>
             <a:r>
-              <a:rPr lang="es-PE">
+              <a:rPr lang="es-PE" dirty="0">
                 <a:solidFill>
                   <a:schemeClr val="tx2"/>
                 </a:solidFill>
               </a:rPr>
               <a:t>Son los componentes que implementarán las reglas de negocio, realizando la lógica empresarial de la aplicación.</a:t>
             </a:r>
-            <a:endParaRPr lang="es-PE" b="1">
+            <a:endParaRPr lang="es-PE" b="1" dirty="0">
               <a:solidFill>
                 <a:schemeClr val="tx2"/>
               </a:solidFill>
             </a:endParaRPr>
           </a:p>
           <a:p>
-            <a:pPr lvl="1"/>
-            <a:endParaRPr lang="es-PE" b="1">
+            <a:pPr lvl="1" algn="just"/>
+            <a:endParaRPr lang="es-PE" b="1" dirty="0">
               <a:solidFill>
                 <a:schemeClr val="tx2"/>
               </a:solidFill>
             </a:endParaRPr>
           </a:p>
           <a:p>
-            <a:pPr lvl="1"/>
+            <a:pPr algn="just"/>
             <a:r>
-              <a:rPr lang="es-PE" b="1">
+              <a:rPr lang="es-PE" b="1" dirty="0">
                 <a:solidFill>
                   <a:srgbClr val="8C2902"/>
                 </a:solidFill>
               </a:rPr>
-              <a:t>Business Entities</a:t>
+              <a:t>Business </a:t>
             </a:r>
-            <a:endParaRPr lang="es-PE">
+            <a:r>
+              <a:rPr lang="es-PE" b="1" dirty="0" err="1">
+                <a:solidFill>
+                  <a:srgbClr val="8C2902"/>
+                </a:solidFill>
+              </a:rPr>
+              <a:t>Entities</a:t>
+            </a:r>
+            <a:endParaRPr lang="es-PE" dirty="0">
               <a:solidFill>
                 <a:srgbClr val="8C2902"/>
               </a:solidFill>
             </a:endParaRPr>
           </a:p>
           <a:p>
+            <a:pPr algn="just"/>
             <a:r>
-              <a:rPr lang="es-PE">
+              <a:rPr lang="es-PE" dirty="0">
                 <a:solidFill>
                   <a:schemeClr val="tx2"/>
                 </a:solidFill>
               </a:rPr>
               <a:t>Se utilizan para representar las entidades empresariales del mundo real en la aplicación, definiendo sus características.</a:t>
             </a:r>
-            <a:endParaRPr lang="es-ES">
+            <a:endParaRPr lang="es-ES" dirty="0">
               <a:solidFill>
                 <a:schemeClr val="tx2"/>
               </a:solidFill>
@@ -18142,7 +18453,7 @@
         </p:nvSpPr>
         <p:spPr>
           <a:xfrm>
-            <a:off x="468313" y="260350"/>
+            <a:off x="468313" y="476151"/>
             <a:ext cx="8229600" cy="936625"/>
           </a:xfrm>
         </p:spPr>
@@ -18152,14 +18463,30 @@
           <a:p>
             <a:pPr eaLnBrk="1" hangingPunct="1"/>
             <a:r>
-              <a:rPr lang="en-US" b="1" smtClean="0">
+              <a:rPr lang="en-US" b="1" dirty="0" err="1" smtClean="0">
                 <a:solidFill>
                   <a:schemeClr val="tx2"/>
                 </a:solidFill>
               </a:rPr>
-              <a:t>Capa de datos</a:t>
+              <a:t>Capa</a:t>
             </a:r>
-            <a:endParaRPr lang="es-PE" b="1" smtClean="0">
+            <a:r>
+              <a:rPr lang="en-US" b="1" dirty="0" smtClean="0">
+                <a:solidFill>
+                  <a:schemeClr val="tx2"/>
+                </a:solidFill>
+              </a:rPr>
+              <a:t> de </a:t>
+            </a:r>
+            <a:r>
+              <a:rPr lang="en-US" b="1" dirty="0" err="1" smtClean="0">
+                <a:solidFill>
+                  <a:schemeClr val="tx2"/>
+                </a:solidFill>
+              </a:rPr>
+              <a:t>datos</a:t>
+            </a:r>
+            <a:endParaRPr lang="es-PE" b="1" dirty="0" smtClean="0">
               <a:solidFill>
                 <a:schemeClr val="tx2"/>
               </a:solidFill>
@@ -18177,8 +18504,8 @@
         </p:nvSpPr>
         <p:spPr bwMode="auto">
           <a:xfrm>
-            <a:off x="971550" y="2276475"/>
-            <a:ext cx="7056438" cy="3387725"/>
+            <a:off x="323528" y="2276475"/>
+            <a:ext cx="8496944" cy="3139321"/>
           </a:xfrm>
           <a:prstGeom prst="rect">
             <a:avLst/>
@@ -18192,75 +18519,125 @@
           </a:ln>
         </p:spPr>
         <p:txBody>
-          <a:bodyPr>
+          <a:bodyPr wrap="square">
             <a:spAutoFit/>
           </a:bodyPr>
           <a:lstStyle/>
           <a:p>
-            <a:pPr lvl="1"/>
+            <a:pPr algn="just"/>
             <a:r>
-              <a:rPr lang="es-PE" b="1">
+              <a:rPr lang="es-PE" b="1" dirty="0">
                 <a:solidFill>
                   <a:srgbClr val="8C2902"/>
                 </a:solidFill>
               </a:rPr>
-              <a:t>Data Access Components</a:t>
+              <a:t>Data Access </a:t>
             </a:r>
-            <a:endParaRPr lang="es-PE">
+            <a:r>
+              <a:rPr lang="es-PE" b="1" dirty="0" err="1">
+                <a:solidFill>
+                  <a:srgbClr val="8C2902"/>
+                </a:solidFill>
+              </a:rPr>
+              <a:t>Components</a:t>
+            </a:r>
+            <a:endParaRPr lang="es-PE" dirty="0">
               <a:solidFill>
                 <a:srgbClr val="8C2902"/>
               </a:solidFill>
             </a:endParaRPr>
           </a:p>
           <a:p>
+            <a:pPr algn="just"/>
             <a:r>
-              <a:rPr lang="es-PE">
+              <a:rPr lang="es-PE" dirty="0">
                 <a:solidFill>
                   <a:schemeClr val="tx2"/>
                 </a:solidFill>
               </a:rPr>
               <a:t>Centraliza la funcionalidad de acceso a los datos y hace que sea más fácil de configurar y mantener.</a:t>
             </a:r>
-            <a:endParaRPr lang="es-PE" b="1">
+            <a:endParaRPr lang="es-PE" b="1" dirty="0">
               <a:solidFill>
                 <a:schemeClr val="tx2"/>
               </a:solidFill>
             </a:endParaRPr>
           </a:p>
           <a:p>
-            <a:pPr lvl="1"/>
-            <a:endParaRPr lang="es-PE" b="1">
+            <a:pPr lvl="1" algn="just"/>
+            <a:endParaRPr lang="es-PE" b="1" dirty="0">
               <a:solidFill>
                 <a:schemeClr val="tx2"/>
               </a:solidFill>
             </a:endParaRPr>
           </a:p>
           <a:p>
-            <a:pPr lvl="1"/>
+            <a:pPr algn="just"/>
             <a:r>
-              <a:rPr lang="es-PE" b="1">
+              <a:rPr lang="es-PE" b="1" dirty="0">
                 <a:solidFill>
                   <a:srgbClr val="8C2902"/>
                 </a:solidFill>
               </a:rPr>
-              <a:t>Data Helpers/Utilities</a:t>
+              <a:t>Data </a:t>
             </a:r>
-            <a:endParaRPr lang="es-PE">
+            <a:r>
+              <a:rPr lang="es-PE" b="1" dirty="0" err="1">
+                <a:solidFill>
+                  <a:srgbClr val="8C2902"/>
+                </a:solidFill>
+              </a:rPr>
+              <a:t>Helpers</a:t>
+            </a:r>
+            <a:r>
+              <a:rPr lang="es-PE" b="1" dirty="0">
+                <a:solidFill>
+                  <a:srgbClr val="8C2902"/>
+                </a:solidFill>
+              </a:rPr>
+              <a:t>/</a:t>
+            </a:r>
+            <a:r>
+              <a:rPr lang="es-PE" b="1" dirty="0" err="1">
+                <a:solidFill>
+                  <a:srgbClr val="8C2902"/>
+                </a:solidFill>
+              </a:rPr>
+              <a:t>Utilities</a:t>
+            </a:r>
+            <a:endParaRPr lang="es-PE" dirty="0">
               <a:solidFill>
                 <a:srgbClr val="8C2902"/>
               </a:solidFill>
             </a:endParaRPr>
           </a:p>
           <a:p>
+            <a:pPr algn="just"/>
             <a:r>
-              <a:rPr lang="es-PE">
+              <a:rPr lang="es-PE" dirty="0">
                 <a:solidFill>
                   <a:schemeClr val="tx2"/>
                 </a:solidFill>
               </a:rPr>
-              <a:t>Será el encargado de realizar y administrar la conexión con la Base de Datos, ejecutando acciones sobre la misma como consultas y modificaciones. Esta clase deberá ser abstracta, porque no debe ser instanciada de forma directa, así los Data Access Components serán quienes expongan la funcionalidad con la base de datos específica, exponiendo únicamente los métodos que le concierne a los componentes que los consuman.</a:t>
+              <a:t>Será el encargado de realizar y administrar la conexión con la Base de Datos, ejecutando acciones sobre la misma como consultas y modificaciones. Esta clase deberá ser abstracta, porque no debe ser instanciada de forma directa, así los Data Access </a:t>
             </a:r>
-            <a:endParaRPr lang="es-ES">
+            <a:r>
+              <a:rPr lang="es-PE" dirty="0" err="1">
+                <a:solidFill>
+                  <a:schemeClr val="tx2"/>
+                </a:solidFill>
+              </a:rPr>
+              <a:t>Components</a:t>
+            </a:r>
+            <a:r>
+              <a:rPr lang="es-PE" dirty="0">
+                <a:solidFill>
+                  <a:schemeClr val="tx2"/>
+                </a:solidFill>
+              </a:rPr>
+              <a:t> serán quienes expongan la funcionalidad con la base de datos específica, exponiendo únicamente los métodos que le concierne a los componentes que los consuman.</a:t>
+            </a:r>
+            <a:endParaRPr lang="es-ES" dirty="0">
               <a:solidFill>
                 <a:schemeClr val="tx2"/>
               </a:solidFill>

--- a/ITERACION 5/SUBITERACION 2/PRESENTACION01/PPT TP3 PRES02.pptx
+++ b/ITERACION 5/SUBITERACION 2/PRESENTACION01/PPT TP3 PRES02.pptx
@@ -16357,7 +16357,7 @@
         </p:nvSpPr>
         <p:spPr bwMode="auto">
           <a:xfrm>
-            <a:off x="323529" y="1844675"/>
+            <a:off x="323529" y="2139528"/>
             <a:ext cx="8496944" cy="4241800"/>
           </a:xfrm>
           <a:prstGeom prst="rect">
@@ -17051,7 +17051,7 @@
         </p:nvSpPr>
         <p:spPr bwMode="auto">
           <a:xfrm>
-            <a:off x="755650" y="620688"/>
+            <a:off x="611560" y="620688"/>
             <a:ext cx="7848600" cy="762000"/>
           </a:xfrm>
           <a:prstGeom prst="rect">
@@ -17085,6 +17085,157 @@
               </a:rPr>
               <a:t>Conclusiones</a:t>
             </a:r>
+          </a:p>
+        </p:txBody>
+      </p:sp>
+      <p:sp>
+        <p:nvSpPr>
+          <p:cNvPr id="3" name="Text Box 4"/>
+          <p:cNvSpPr txBox="1">
+            <a:spLocks noChangeArrowheads="1"/>
+          </p:cNvSpPr>
+          <p:nvPr/>
+        </p:nvSpPr>
+        <p:spPr bwMode="auto">
+          <a:xfrm>
+            <a:off x="323529" y="2632844"/>
+            <a:ext cx="8496944" cy="3416320"/>
+          </a:xfrm>
+          <a:prstGeom prst="rect">
+            <a:avLst/>
+          </a:prstGeom>
+          <a:noFill/>
+          <a:ln w="9525">
+            <a:noFill/>
+            <a:miter lim="800000"/>
+            <a:headEnd/>
+            <a:tailEnd/>
+          </a:ln>
+          <a:effectLst/>
+        </p:spPr>
+        <p:txBody>
+          <a:bodyPr wrap="square">
+            <a:spAutoFit/>
+          </a:bodyPr>
+          <a:lstStyle/>
+          <a:p>
+            <a:pPr marL="177800" indent="-177800" algn="just">
+              <a:lnSpc>
+                <a:spcPct val="150000"/>
+              </a:lnSpc>
+              <a:buFontTx/>
+              <a:buChar char="•"/>
+              <a:defRPr/>
+            </a:pPr>
+            <a:r>
+              <a:rPr lang="es-ES" dirty="0" smtClean="0">
+                <a:solidFill>
+                  <a:schemeClr val="tx2"/>
+                </a:solidFill>
+              </a:rPr>
+              <a:t>La división en capas facilita el trabajo en equipo pues permite el avance en paralelo en las distintas capas.</a:t>
+            </a:r>
+          </a:p>
+          <a:p>
+            <a:pPr marL="177800" indent="-177800" algn="just">
+              <a:lnSpc>
+                <a:spcPct val="150000"/>
+              </a:lnSpc>
+              <a:buFontTx/>
+              <a:buChar char="•"/>
+              <a:defRPr/>
+            </a:pPr>
+            <a:r>
+              <a:rPr lang="es-ES" dirty="0" smtClean="0">
+                <a:solidFill>
+                  <a:schemeClr val="tx2"/>
+                </a:solidFill>
+              </a:rPr>
+              <a:t>La división en capas facilita la creación de pruebas unitarias para los componentes de cada capa de forma independiente.</a:t>
+            </a:r>
+          </a:p>
+          <a:p>
+            <a:pPr marL="177800" indent="-177800" algn="just">
+              <a:lnSpc>
+                <a:spcPct val="150000"/>
+              </a:lnSpc>
+              <a:buFontTx/>
+              <a:buChar char="•"/>
+              <a:defRPr/>
+            </a:pPr>
+            <a:r>
+              <a:rPr lang="es-ES" dirty="0">
+                <a:solidFill>
+                  <a:schemeClr val="tx2"/>
+                </a:solidFill>
+              </a:rPr>
+              <a:t>La división en capas </a:t>
+            </a:r>
+            <a:r>
+              <a:rPr lang="es-ES" dirty="0" smtClean="0">
+                <a:solidFill>
+                  <a:schemeClr val="tx2"/>
+                </a:solidFill>
+              </a:rPr>
+              <a:t>facilita la reutilización de componentes.</a:t>
+            </a:r>
+          </a:p>
+          <a:p>
+            <a:pPr marL="177800" indent="-177800" algn="just">
+              <a:lnSpc>
+                <a:spcPct val="150000"/>
+              </a:lnSpc>
+              <a:buFontTx/>
+              <a:buChar char="•"/>
+              <a:defRPr/>
+            </a:pPr>
+            <a:r>
+              <a:rPr lang="es-ES" dirty="0" smtClean="0">
+                <a:solidFill>
+                  <a:schemeClr val="tx2"/>
+                </a:solidFill>
+              </a:rPr>
+              <a:t>El software será mucho más </a:t>
+            </a:r>
+            <a:r>
+              <a:rPr lang="es-ES" dirty="0" err="1" smtClean="0">
+                <a:solidFill>
+                  <a:schemeClr val="tx2"/>
+                </a:solidFill>
+              </a:rPr>
+              <a:t>mantenible</a:t>
+            </a:r>
+            <a:r>
+              <a:rPr lang="es-ES" dirty="0" smtClean="0">
+                <a:solidFill>
+                  <a:schemeClr val="tx2"/>
+                </a:solidFill>
+              </a:rPr>
+              <a:t>, puesto que al estar separados los componentes y bien estructurados simplificará las tareas de mantenimiento.</a:t>
+            </a:r>
+          </a:p>
+          <a:p>
+            <a:pPr marL="177800" indent="-177800" algn="just">
+              <a:lnSpc>
+                <a:spcPct val="150000"/>
+              </a:lnSpc>
+              <a:buFontTx/>
+              <a:buChar char="•"/>
+              <a:defRPr/>
+            </a:pPr>
+            <a:r>
+              <a:rPr lang="es-ES" dirty="0" smtClean="0">
+                <a:solidFill>
+                  <a:schemeClr val="tx2"/>
+                </a:solidFill>
+              </a:rPr>
+              <a:t>El software podrá ser escalable.</a:t>
+            </a:r>
+            <a:endParaRPr lang="es-ES" dirty="0">
+              <a:solidFill>
+                <a:schemeClr val="tx2"/>
+              </a:solidFill>
+            </a:endParaRPr>
           </a:p>
         </p:txBody>
       </p:sp>
